--- a/Smartlearning.dk/2018/IT-sikkerhed - webinar 2.pptx
+++ b/Smartlearning.dk/2018/IT-sikkerhed - webinar 2.pptx
@@ -16,13 +16,14 @@
     <p:sldId id="264" r:id="rId10"/>
     <p:sldId id="276" r:id="rId11"/>
     <p:sldId id="265" r:id="rId12"/>
-    <p:sldId id="273" r:id="rId13"/>
-    <p:sldId id="266" r:id="rId14"/>
-    <p:sldId id="267" r:id="rId15"/>
-    <p:sldId id="274" r:id="rId16"/>
-    <p:sldId id="263" r:id="rId17"/>
-    <p:sldId id="268" r:id="rId18"/>
-    <p:sldId id="271" r:id="rId19"/>
+    <p:sldId id="277" r:id="rId13"/>
+    <p:sldId id="273" r:id="rId14"/>
+    <p:sldId id="266" r:id="rId15"/>
+    <p:sldId id="267" r:id="rId16"/>
+    <p:sldId id="274" r:id="rId17"/>
+    <p:sldId id="263" r:id="rId18"/>
+    <p:sldId id="268" r:id="rId19"/>
+    <p:sldId id="271" r:id="rId20"/>
   </p:sldIdLst>
   <p:sldSz cx="12192000" cy="6858000"/>
   <p:notesSz cx="6858000" cy="9144000"/>
@@ -268,7 +269,7 @@
           <a:p>
             <a:fld id="{62E80CEA-5F2D-4F19-8317-BD6DABCB9991}" type="datetimeFigureOut">
               <a:rPr lang="da-DK" smtClean="0"/>
-              <a:t>30-09-2018</a:t>
+              <a:t>09-10-2018</a:t>
             </a:fld>
             <a:endParaRPr lang="da-DK"/>
           </a:p>
@@ -479,7 +480,7 @@
           <a:p>
             <a:fld id="{62E80CEA-5F2D-4F19-8317-BD6DABCB9991}" type="datetimeFigureOut">
               <a:rPr lang="da-DK" smtClean="0"/>
-              <a:t>30-09-2018</a:t>
+              <a:t>09-10-2018</a:t>
             </a:fld>
             <a:endParaRPr lang="da-DK"/>
           </a:p>
@@ -694,7 +695,7 @@
           <a:p>
             <a:fld id="{62E80CEA-5F2D-4F19-8317-BD6DABCB9991}" type="datetimeFigureOut">
               <a:rPr lang="da-DK" smtClean="0"/>
-              <a:t>30-09-2018</a:t>
+              <a:t>09-10-2018</a:t>
             </a:fld>
             <a:endParaRPr lang="da-DK"/>
           </a:p>
@@ -895,7 +896,7 @@
           <a:p>
             <a:fld id="{62E80CEA-5F2D-4F19-8317-BD6DABCB9991}" type="datetimeFigureOut">
               <a:rPr lang="da-DK" smtClean="0"/>
-              <a:t>30-09-2018</a:t>
+              <a:t>09-10-2018</a:t>
             </a:fld>
             <a:endParaRPr lang="da-DK"/>
           </a:p>
@@ -1174,7 +1175,7 @@
           <a:p>
             <a:fld id="{62E80CEA-5F2D-4F19-8317-BD6DABCB9991}" type="datetimeFigureOut">
               <a:rPr lang="da-DK" smtClean="0"/>
-              <a:t>30-09-2018</a:t>
+              <a:t>09-10-2018</a:t>
             </a:fld>
             <a:endParaRPr lang="da-DK"/>
           </a:p>
@@ -1442,7 +1443,7 @@
           <a:p>
             <a:fld id="{62E80CEA-5F2D-4F19-8317-BD6DABCB9991}" type="datetimeFigureOut">
               <a:rPr lang="da-DK" smtClean="0"/>
-              <a:t>30-09-2018</a:t>
+              <a:t>09-10-2018</a:t>
             </a:fld>
             <a:endParaRPr lang="da-DK"/>
           </a:p>
@@ -1858,7 +1859,7 @@
           <a:p>
             <a:fld id="{62E80CEA-5F2D-4F19-8317-BD6DABCB9991}" type="datetimeFigureOut">
               <a:rPr lang="da-DK" smtClean="0"/>
-              <a:t>30-09-2018</a:t>
+              <a:t>09-10-2018</a:t>
             </a:fld>
             <a:endParaRPr lang="da-DK"/>
           </a:p>
@@ -2007,7 +2008,7 @@
           <a:p>
             <a:fld id="{62E80CEA-5F2D-4F19-8317-BD6DABCB9991}" type="datetimeFigureOut">
               <a:rPr lang="da-DK" smtClean="0"/>
-              <a:t>30-09-2018</a:t>
+              <a:t>09-10-2018</a:t>
             </a:fld>
             <a:endParaRPr lang="da-DK"/>
           </a:p>
@@ -2133,7 +2134,7 @@
           <a:p>
             <a:fld id="{62E80CEA-5F2D-4F19-8317-BD6DABCB9991}" type="datetimeFigureOut">
               <a:rPr lang="da-DK" smtClean="0"/>
-              <a:t>30-09-2018</a:t>
+              <a:t>09-10-2018</a:t>
             </a:fld>
             <a:endParaRPr lang="da-DK"/>
           </a:p>
@@ -2384,7 +2385,7 @@
           <a:p>
             <a:fld id="{62E80CEA-5F2D-4F19-8317-BD6DABCB9991}" type="datetimeFigureOut">
               <a:rPr lang="da-DK" smtClean="0"/>
-              <a:t>30-09-2018</a:t>
+              <a:t>09-10-2018</a:t>
             </a:fld>
             <a:endParaRPr lang="da-DK"/>
           </a:p>
@@ -2829,7 +2830,7 @@
           <a:p>
             <a:fld id="{62E80CEA-5F2D-4F19-8317-BD6DABCB9991}" type="datetimeFigureOut">
               <a:rPr lang="da-DK" smtClean="0"/>
-              <a:t>30-09-2018</a:t>
+              <a:t>09-10-2018</a:t>
             </a:fld>
             <a:endParaRPr lang="da-DK"/>
           </a:p>
@@ -3155,7 +3156,7 @@
           <a:p>
             <a:fld id="{62E80CEA-5F2D-4F19-8317-BD6DABCB9991}" type="datetimeFigureOut">
               <a:rPr lang="da-DK" smtClean="0"/>
-              <a:t>30-09-2018</a:t>
+              <a:t>09-10-2018</a:t>
             </a:fld>
             <a:endParaRPr lang="da-DK"/>
           </a:p>
@@ -3658,28 +3659,15 @@
           <a:p>
             <a:r>
               <a:rPr lang="da-DK" dirty="0"/>
-              <a:t>Webinar </a:t>
-            </a:r>
-            <a:r>
-              <a:rPr lang="da-DK" dirty="0" smtClean="0"/>
-              <a:t>II</a:t>
-            </a:r>
-            <a:r>
-              <a:rPr lang="da-DK" dirty="0"/>
-              <a:t/>
+              <a:t>Webinar II</a:t>
             </a:r>
             <a:br>
               <a:rPr lang="da-DK" dirty="0"/>
             </a:br>
             <a:r>
               <a:rPr lang="da-DK" dirty="0"/>
-              <a:t>d. </a:t>
-            </a:r>
-            <a:r>
-              <a:rPr lang="da-DK" dirty="0" smtClean="0"/>
-              <a:t>3/10-18</a:t>
-            </a:r>
-            <a:endParaRPr lang="da-DK" dirty="0"/>
+              <a:t>d. 9/10-18</a:t>
+            </a:r>
           </a:p>
         </p:txBody>
       </p:sp>
@@ -3752,64 +3740,59 @@
           <a:p>
             <a:r>
               <a:rPr lang="da-DK" dirty="0"/>
-              <a:t>ISO/IEC </a:t>
-            </a:r>
-            <a:r>
-              <a:rPr lang="da-DK" dirty="0" smtClean="0"/>
-              <a:t>27002</a:t>
-            </a:r>
+              <a:t>ISO/IEC 27002</a:t>
+            </a:r>
+          </a:p>
+        </p:txBody>
+      </p:sp>
+      <p:sp>
+        <p:nvSpPr>
+          <p:cNvPr id="3" name="Content Placeholder 2"/>
+          <p:cNvSpPr>
+            <a:spLocks noGrp="1"/>
+          </p:cNvSpPr>
+          <p:nvPr>
+            <p:ph idx="1"/>
+          </p:nvPr>
+        </p:nvSpPr>
+        <p:spPr/>
+        <p:txBody>
+          <a:bodyPr/>
+          <a:lstStyle/>
+          <a:p>
+            <a:r>
+              <a:rPr lang="da-DK" dirty="0"/>
+              <a:t>Gældende standard på området, erstatter den tidligere DS 484</a:t>
+            </a:r>
+          </a:p>
+          <a:p>
+            <a:r>
+              <a:rPr lang="da-DK" dirty="0"/>
+              <a:t>Best </a:t>
+            </a:r>
+            <a:r>
+              <a:rPr lang="da-DK" dirty="0" err="1"/>
+              <a:t>practice</a:t>
+            </a:r>
+            <a:r>
+              <a:rPr lang="da-DK" dirty="0"/>
+              <a:t> for informationssikkerhed</a:t>
+            </a:r>
+          </a:p>
+          <a:p>
+            <a:r>
+              <a:rPr lang="da-DK" dirty="0"/>
+              <a:t>Ikke lovkrav, i modsætning til GDPR!</a:t>
+            </a:r>
+          </a:p>
+          <a:p>
+            <a:r>
+              <a:rPr lang="da-DK" dirty="0"/>
+              <a:t>Specificerer ikke direkte hvordan man skal sikre sig, men at man skal have planlagt hvordan man vil gøre det</a:t>
+            </a:r>
+          </a:p>
+          <a:p>
             <a:endParaRPr lang="da-DK" dirty="0"/>
-          </a:p>
-        </p:txBody>
-      </p:sp>
-      <p:sp>
-        <p:nvSpPr>
-          <p:cNvPr id="3" name="Content Placeholder 2"/>
-          <p:cNvSpPr>
-            <a:spLocks noGrp="1"/>
-          </p:cNvSpPr>
-          <p:nvPr>
-            <p:ph idx="1"/>
-          </p:nvPr>
-        </p:nvSpPr>
-        <p:spPr/>
-        <p:txBody>
-          <a:bodyPr/>
-          <a:lstStyle/>
-          <a:p>
-            <a:r>
-              <a:rPr lang="da-DK" dirty="0" smtClean="0"/>
-              <a:t>Gældende standard på området, erstatter den tidligere DS 484</a:t>
-            </a:r>
-          </a:p>
-          <a:p>
-            <a:r>
-              <a:rPr lang="da-DK" dirty="0" smtClean="0"/>
-              <a:t>Best </a:t>
-            </a:r>
-            <a:r>
-              <a:rPr lang="da-DK" dirty="0" err="1" smtClean="0"/>
-              <a:t>practice</a:t>
-            </a:r>
-            <a:r>
-              <a:rPr lang="da-DK" dirty="0" smtClean="0"/>
-              <a:t> for informationssikkerhed</a:t>
-            </a:r>
-          </a:p>
-          <a:p>
-            <a:r>
-              <a:rPr lang="da-DK" dirty="0" smtClean="0"/>
-              <a:t>Ikke lovkrav, i modsætning til GDPR!</a:t>
-            </a:r>
-          </a:p>
-          <a:p>
-            <a:r>
-              <a:rPr lang="da-DK" dirty="0" smtClean="0"/>
-              <a:t>Specificerer ikke direkte hvordan man skal sikre sig, men at man skal have planlagt hvordan man vil gøre det</a:t>
-            </a:r>
-          </a:p>
-          <a:p>
-            <a:endParaRPr lang="da-DK" dirty="0" smtClean="0"/>
           </a:p>
           <a:p>
             <a:endParaRPr lang="da-DK" dirty="0"/>
@@ -3940,7 +3923,13 @@
       </p:grpSpPr>
       <p:sp>
         <p:nvSpPr>
-          <p:cNvPr id="2" name="Title 1"/>
+          <p:cNvPr id="2" name="Title 1">
+            <a:extLst>
+              <a:ext uri="{FF2B5EF4-FFF2-40B4-BE49-F238E27FC236}">
+                <a16:creationId xmlns:a16="http://schemas.microsoft.com/office/drawing/2014/main" id="{C3A662F2-3291-4A67-8E7F-DB5ACC49653E}"/>
+              </a:ext>
+            </a:extLst>
+          </p:cNvPr>
           <p:cNvSpPr>
             <a:spLocks noGrp="1"/>
           </p:cNvSpPr>
@@ -3948,57 +3937,1531 @@
             <p:ph type="title"/>
           </p:nvPr>
         </p:nvSpPr>
-        <p:spPr/>
-        <p:txBody>
-          <a:bodyPr/>
-          <a:lstStyle/>
-          <a:p>
-            <a:r>
-              <a:rPr lang="da-DK" dirty="0" smtClean="0"/>
-              <a:t>Risici</a:t>
-            </a:r>
+        <p:spPr>
+          <a:xfrm>
+            <a:off x="1451579" y="804519"/>
+            <a:ext cx="9603275" cy="1049235"/>
+          </a:xfrm>
+        </p:spPr>
+        <p:txBody>
+          <a:bodyPr>
+            <a:normAutofit/>
+          </a:bodyPr>
+          <a:lstStyle/>
+          <a:p>
+            <a:r>
+              <a:rPr lang="da-DK" dirty="0"/>
+              <a:t>Risiko-matrix</a:t>
+            </a:r>
+            <a:endParaRPr lang="en-DK" dirty="0"/>
+          </a:p>
+        </p:txBody>
+      </p:sp>
+      <p:sp>
+        <p:nvSpPr>
+          <p:cNvPr id="3" name="Content Placeholder 2">
+            <a:extLst>
+              <a:ext uri="{FF2B5EF4-FFF2-40B4-BE49-F238E27FC236}">
+                <a16:creationId xmlns:a16="http://schemas.microsoft.com/office/drawing/2014/main" id="{FB83466F-51AB-4265-800F-0CB0B8D1240C}"/>
+              </a:ext>
+            </a:extLst>
+          </p:cNvPr>
+          <p:cNvSpPr>
+            <a:spLocks noGrp="1"/>
+          </p:cNvSpPr>
+          <p:nvPr>
+            <p:ph idx="1"/>
+          </p:nvPr>
+        </p:nvSpPr>
+        <p:spPr>
+          <a:xfrm>
+            <a:off x="1451579" y="2015734"/>
+            <a:ext cx="4158849" cy="3450613"/>
+          </a:xfrm>
+        </p:spPr>
+        <p:txBody>
+          <a:bodyPr>
+            <a:normAutofit fontScale="92500" lnSpcReduction="20000"/>
+          </a:bodyPr>
+          <a:lstStyle/>
+          <a:p>
+            <a:r>
+              <a:rPr lang="da-DK" dirty="0"/>
+              <a:t>Et forsøg på at visualisere sandsynlighed x skadevirkning. </a:t>
+            </a:r>
+          </a:p>
+          <a:p>
+            <a:r>
+              <a:rPr lang="da-DK" dirty="0"/>
+              <a:t>Eksemplet til højre kunne være et dansk gymnasium.</a:t>
+            </a:r>
+          </a:p>
+          <a:p>
+            <a:r>
+              <a:rPr lang="da-DK" dirty="0"/>
+              <a:t>Kan være et godt værktøj til at visualisere hvor man bør sætte ind først. </a:t>
+            </a:r>
+          </a:p>
+          <a:p>
+            <a:r>
+              <a:rPr lang="da-DK" dirty="0"/>
+              <a:t>Pas på: </a:t>
+            </a:r>
+          </a:p>
+          <a:p>
+            <a:pPr lvl="1"/>
+            <a:r>
+              <a:rPr lang="da-DK" dirty="0"/>
+              <a:t>1) garbage in, garbage out!</a:t>
+            </a:r>
+          </a:p>
+          <a:p>
+            <a:pPr lvl="1"/>
+            <a:r>
+              <a:rPr lang="da-DK" dirty="0"/>
+              <a:t>2) opløsningen er ikke god!</a:t>
+            </a:r>
+          </a:p>
+          <a:p>
             <a:endParaRPr lang="da-DK" dirty="0"/>
           </a:p>
         </p:txBody>
       </p:sp>
-      <p:sp>
-        <p:nvSpPr>
-          <p:cNvPr id="3" name="Content Placeholder 2"/>
-          <p:cNvSpPr>
-            <a:spLocks noGrp="1"/>
-          </p:cNvSpPr>
-          <p:nvPr>
-            <p:ph idx="1"/>
-          </p:nvPr>
-        </p:nvSpPr>
-        <p:spPr/>
-        <p:txBody>
-          <a:bodyPr/>
-          <a:lstStyle/>
-          <a:p>
-            <a:r>
-              <a:rPr lang="da-DK" dirty="0" smtClean="0"/>
-              <a:t>Hvilke risici kender I?</a:t>
-            </a:r>
-          </a:p>
-          <a:p>
-            <a:r>
-              <a:rPr lang="da-DK" dirty="0" smtClean="0"/>
-              <a:t>Hvilke forårsager flest problemer i praksis?</a:t>
-            </a:r>
-          </a:p>
-          <a:p>
-            <a:r>
-              <a:rPr lang="da-DK" dirty="0" smtClean="0"/>
-              <a:t>Hvad har I selv oplevet gå galt?</a:t>
-            </a:r>
-          </a:p>
-        </p:txBody>
-      </p:sp>
+      <p:graphicFrame>
+        <p:nvGraphicFramePr>
+          <p:cNvPr id="4" name="Table 3">
+            <a:extLst>
+              <a:ext uri="{FF2B5EF4-FFF2-40B4-BE49-F238E27FC236}">
+                <a16:creationId xmlns:a16="http://schemas.microsoft.com/office/drawing/2014/main" id="{63914E44-6610-4682-B5E1-180E51C9787C}"/>
+              </a:ext>
+            </a:extLst>
+          </p:cNvPr>
+          <p:cNvGraphicFramePr>
+            <a:graphicFrameLocks noGrp="1"/>
+          </p:cNvGraphicFramePr>
+          <p:nvPr/>
+        </p:nvGraphicFramePr>
+        <p:xfrm>
+          <a:off x="6277257" y="2621615"/>
+          <a:ext cx="4613875" cy="2229607"/>
+        </p:xfrm>
+        <a:graphic>
+          <a:graphicData uri="http://schemas.openxmlformats.org/drawingml/2006/table">
+            <a:tbl>
+              <a:tblPr/>
+              <a:tblGrid>
+                <a:gridCol w="1126432">
+                  <a:extLst>
+                    <a:ext uri="{9D8B030D-6E8A-4147-A177-3AD203B41FA5}">
+                      <a16:colId xmlns:a16="http://schemas.microsoft.com/office/drawing/2014/main" val="533243505"/>
+                    </a:ext>
+                  </a:extLst>
+                </a:gridCol>
+                <a:gridCol w="777378">
+                  <a:extLst>
+                    <a:ext uri="{9D8B030D-6E8A-4147-A177-3AD203B41FA5}">
+                      <a16:colId xmlns:a16="http://schemas.microsoft.com/office/drawing/2014/main" val="3285868026"/>
+                    </a:ext>
+                  </a:extLst>
+                </a:gridCol>
+                <a:gridCol w="998323">
+                  <a:extLst>
+                    <a:ext uri="{9D8B030D-6E8A-4147-A177-3AD203B41FA5}">
+                      <a16:colId xmlns:a16="http://schemas.microsoft.com/office/drawing/2014/main" val="2632899678"/>
+                    </a:ext>
+                  </a:extLst>
+                </a:gridCol>
+                <a:gridCol w="775439">
+                  <a:extLst>
+                    <a:ext uri="{9D8B030D-6E8A-4147-A177-3AD203B41FA5}">
+                      <a16:colId xmlns:a16="http://schemas.microsoft.com/office/drawing/2014/main" val="1363979776"/>
+                    </a:ext>
+                  </a:extLst>
+                </a:gridCol>
+                <a:gridCol w="936303">
+                  <a:extLst>
+                    <a:ext uri="{9D8B030D-6E8A-4147-A177-3AD203B41FA5}">
+                      <a16:colId xmlns:a16="http://schemas.microsoft.com/office/drawing/2014/main" val="2127299098"/>
+                    </a:ext>
+                  </a:extLst>
+                </a:gridCol>
+              </a:tblGrid>
+              <a:tr h="264204">
+                <a:tc>
+                  <a:txBody>
+                    <a:bodyPr/>
+                    <a:lstStyle/>
+                    <a:p>
+                      <a:pPr algn="ctr" fontAlgn="ctr">
+                        <a:spcBef>
+                          <a:spcPts val="0"/>
+                        </a:spcBef>
+                        <a:spcAft>
+                          <a:spcPts val="0"/>
+                        </a:spcAft>
+                      </a:pPr>
+                      <a:r>
+                        <a:rPr lang="en-US" sz="700" b="1" i="0" u="none" strike="noStrike" dirty="0">
+                          <a:solidFill>
+                            <a:srgbClr val="000000"/>
+                          </a:solidFill>
+                          <a:effectLst/>
+                          <a:latin typeface="Calibri" panose="020F0502020204030204" pitchFamily="34" charset="0"/>
+                        </a:rPr>
+                        <a:t> </a:t>
+                      </a:r>
+                      <a:endParaRPr lang="en-US" sz="1100" b="0" i="0" u="none" strike="noStrike" dirty="0">
+                        <a:effectLst/>
+                        <a:latin typeface="Arial" panose="020B0604020202020204" pitchFamily="34" charset="0"/>
+                      </a:endParaRPr>
+                    </a:p>
+                  </a:txBody>
+                  <a:tcPr marL="3876" marR="3876" marT="3876" marB="0" anchor="ctr">
+                    <a:lnL>
+                      <a:noFill/>
+                    </a:lnL>
+                    <a:lnR>
+                      <a:noFill/>
+                    </a:lnR>
+                    <a:lnT>
+                      <a:noFill/>
+                    </a:lnT>
+                    <a:lnB>
+                      <a:noFill/>
+                    </a:lnB>
+                  </a:tcPr>
+                </a:tc>
+                <a:tc gridSpan="4">
+                  <a:txBody>
+                    <a:bodyPr/>
+                    <a:lstStyle/>
+                    <a:p>
+                      <a:pPr algn="ctr" fontAlgn="ctr">
+                        <a:spcBef>
+                          <a:spcPts val="0"/>
+                        </a:spcBef>
+                        <a:spcAft>
+                          <a:spcPts val="0"/>
+                        </a:spcAft>
+                      </a:pPr>
+                      <a:r>
+                        <a:rPr lang="da-DK" sz="1200" b="1" i="0" u="none" strike="noStrike">
+                          <a:solidFill>
+                            <a:srgbClr val="FFFFFF"/>
+                          </a:solidFill>
+                          <a:effectLst/>
+                          <a:latin typeface="Calibri" panose="020F0502020204030204" pitchFamily="34" charset="0"/>
+                        </a:rPr>
+                        <a:t>Skadevirkning</a:t>
+                      </a:r>
+                      <a:endParaRPr lang="da-DK" sz="1100" b="0" i="0" u="none" strike="noStrike">
+                        <a:effectLst/>
+                        <a:latin typeface="Arial" panose="020B0604020202020204" pitchFamily="34" charset="0"/>
+                      </a:endParaRPr>
+                    </a:p>
+                  </a:txBody>
+                  <a:tcPr marL="55818" marR="55818" marT="27909" marB="27909">
+                    <a:lnL>
+                      <a:noFill/>
+                    </a:lnL>
+                    <a:lnR>
+                      <a:noFill/>
+                    </a:lnR>
+                    <a:lnT>
+                      <a:noFill/>
+                    </a:lnT>
+                    <a:lnB>
+                      <a:noFill/>
+                    </a:lnB>
+                    <a:solidFill>
+                      <a:srgbClr val="00ADEE"/>
+                    </a:solidFill>
+                  </a:tcPr>
+                </a:tc>
+                <a:tc hMerge="1">
+                  <a:txBody>
+                    <a:bodyPr/>
+                    <a:lstStyle/>
+                    <a:p>
+                      <a:endParaRPr lang="en-DK"/>
+                    </a:p>
+                  </a:txBody>
+                  <a:tcPr/>
+                </a:tc>
+                <a:tc hMerge="1">
+                  <a:txBody>
+                    <a:bodyPr/>
+                    <a:lstStyle/>
+                    <a:p>
+                      <a:endParaRPr lang="en-DK"/>
+                    </a:p>
+                  </a:txBody>
+                  <a:tcPr/>
+                </a:tc>
+                <a:tc hMerge="1">
+                  <a:txBody>
+                    <a:bodyPr/>
+                    <a:lstStyle/>
+                    <a:p>
+                      <a:endParaRPr lang="en-DK"/>
+                    </a:p>
+                  </a:txBody>
+                  <a:tcPr/>
+                </a:tc>
+                <a:extLst>
+                  <a:ext uri="{0D108BD9-81ED-4DB2-BD59-A6C34878D82A}">
+                    <a16:rowId xmlns:a16="http://schemas.microsoft.com/office/drawing/2014/main" val="3953898386"/>
+                  </a:ext>
+                </a:extLst>
+              </a:tr>
+              <a:tr h="212263">
+                <a:tc rowSpan="4">
+                  <a:txBody>
+                    <a:bodyPr/>
+                    <a:lstStyle/>
+                    <a:p>
+                      <a:pPr algn="ctr" fontAlgn="ctr">
+                        <a:spcBef>
+                          <a:spcPts val="0"/>
+                        </a:spcBef>
+                        <a:spcAft>
+                          <a:spcPts val="0"/>
+                        </a:spcAft>
+                      </a:pPr>
+                      <a:r>
+                        <a:rPr lang="da-DK" sz="1200" b="1" i="0" u="none" strike="noStrike" dirty="0">
+                          <a:solidFill>
+                            <a:srgbClr val="FFFFFF"/>
+                          </a:solidFill>
+                          <a:effectLst/>
+                          <a:latin typeface="Calibri (Body)"/>
+                        </a:rPr>
+                        <a:t>Sandsynlighed</a:t>
+                      </a:r>
+                      <a:endParaRPr lang="da-DK" sz="1100" b="0" i="0" u="none" strike="noStrike" dirty="0">
+                        <a:effectLst/>
+                        <a:latin typeface="Arial" panose="020B0604020202020204" pitchFamily="34" charset="0"/>
+                      </a:endParaRPr>
+                    </a:p>
+                  </a:txBody>
+                  <a:tcPr marL="55818" marR="55818" marT="27909" marB="27909">
+                    <a:lnL>
+                      <a:noFill/>
+                    </a:lnL>
+                    <a:lnR>
+                      <a:noFill/>
+                    </a:lnR>
+                    <a:lnT>
+                      <a:noFill/>
+                    </a:lnT>
+                    <a:lnB w="12700" cap="flat" cmpd="sng" algn="ctr">
+                      <a:solidFill>
+                        <a:srgbClr val="FFFFFF"/>
+                      </a:solidFill>
+                      <a:prstDash val="solid"/>
+                      <a:round/>
+                      <a:headEnd type="none" w="med" len="med"/>
+                      <a:tailEnd type="none" w="med" len="med"/>
+                    </a:lnB>
+                    <a:solidFill>
+                      <a:srgbClr val="00ADEE"/>
+                    </a:solidFill>
+                  </a:tcPr>
+                </a:tc>
+                <a:tc>
+                  <a:txBody>
+                    <a:bodyPr/>
+                    <a:lstStyle/>
+                    <a:p>
+                      <a:pPr algn="l" fontAlgn="ctr">
+                        <a:spcBef>
+                          <a:spcPts val="0"/>
+                        </a:spcBef>
+                        <a:spcAft>
+                          <a:spcPts val="0"/>
+                        </a:spcAft>
+                      </a:pPr>
+                      <a:r>
+                        <a:rPr lang="en-US" sz="700" b="0" i="0" u="none" strike="noStrike" dirty="0">
+                          <a:solidFill>
+                            <a:srgbClr val="000000"/>
+                          </a:solidFill>
+                          <a:effectLst/>
+                          <a:latin typeface="Calibri" panose="020F0502020204030204" pitchFamily="34" charset="0"/>
+                        </a:rPr>
+                        <a:t> </a:t>
+                      </a:r>
+                      <a:endParaRPr lang="en-US" sz="1100" b="0" i="0" u="none" strike="noStrike" dirty="0">
+                        <a:effectLst/>
+                        <a:latin typeface="Arial" panose="020B0604020202020204" pitchFamily="34" charset="0"/>
+                      </a:endParaRPr>
+                    </a:p>
+                  </a:txBody>
+                  <a:tcPr marL="3876" marR="3876" marT="3876" marB="0" anchor="ctr">
+                    <a:lnL>
+                      <a:noFill/>
+                    </a:lnL>
+                    <a:lnR w="12700" cap="flat" cmpd="sng" algn="ctr">
+                      <a:solidFill>
+                        <a:srgbClr val="FFFFFF"/>
+                      </a:solidFill>
+                      <a:prstDash val="solid"/>
+                      <a:round/>
+                      <a:headEnd type="none" w="med" len="med"/>
+                      <a:tailEnd type="none" w="med" len="med"/>
+                    </a:lnR>
+                    <a:lnT>
+                      <a:noFill/>
+                    </a:lnT>
+                    <a:lnB w="12700" cap="flat" cmpd="sng" algn="ctr">
+                      <a:solidFill>
+                        <a:srgbClr val="FFFFFF"/>
+                      </a:solidFill>
+                      <a:prstDash val="solid"/>
+                      <a:round/>
+                      <a:headEnd type="none" w="med" len="med"/>
+                      <a:tailEnd type="none" w="med" len="med"/>
+                    </a:lnB>
+                    <a:pattFill prst="ltDnDiag">
+                      <a:fgClr>
+                        <a:srgbClr val="FFFFFF"/>
+                      </a:fgClr>
+                      <a:bgClr>
+                        <a:srgbClr val="E7E6E6"/>
+                      </a:bgClr>
+                    </a:pattFill>
+                  </a:tcPr>
+                </a:tc>
+                <a:tc>
+                  <a:txBody>
+                    <a:bodyPr/>
+                    <a:lstStyle/>
+                    <a:p>
+                      <a:pPr algn="ctr" fontAlgn="ctr">
+                        <a:spcBef>
+                          <a:spcPts val="0"/>
+                        </a:spcBef>
+                        <a:spcAft>
+                          <a:spcPts val="0"/>
+                        </a:spcAft>
+                      </a:pPr>
+                      <a:r>
+                        <a:rPr lang="da-DK" sz="1200" b="1" i="0" u="none" strike="noStrike">
+                          <a:solidFill>
+                            <a:srgbClr val="FFFFFF"/>
+                          </a:solidFill>
+                          <a:effectLst/>
+                          <a:latin typeface="Calibri" panose="020F0502020204030204" pitchFamily="34" charset="0"/>
+                        </a:rPr>
+                        <a:t>Acceptabel</a:t>
+                      </a:r>
+                      <a:endParaRPr lang="da-DK" sz="1100" b="0" i="0" u="none" strike="noStrike">
+                        <a:effectLst/>
+                        <a:latin typeface="Arial" panose="020B0604020202020204" pitchFamily="34" charset="0"/>
+                      </a:endParaRPr>
+                    </a:p>
+                  </a:txBody>
+                  <a:tcPr marL="3876" marR="3876" marT="3876" marB="0" anchor="ctr">
+                    <a:lnL w="12700" cap="flat" cmpd="sng" algn="ctr">
+                      <a:solidFill>
+                        <a:srgbClr val="FFFFFF"/>
+                      </a:solidFill>
+                      <a:prstDash val="solid"/>
+                      <a:round/>
+                      <a:headEnd type="none" w="med" len="med"/>
+                      <a:tailEnd type="none" w="med" len="med"/>
+                    </a:lnL>
+                    <a:lnR w="12700" cap="flat" cmpd="sng" algn="ctr">
+                      <a:solidFill>
+                        <a:srgbClr val="FFFFFF"/>
+                      </a:solidFill>
+                      <a:prstDash val="solid"/>
+                      <a:round/>
+                      <a:headEnd type="none" w="med" len="med"/>
+                      <a:tailEnd type="none" w="med" len="med"/>
+                    </a:lnR>
+                    <a:lnT w="12700" cap="flat" cmpd="sng" algn="ctr">
+                      <a:solidFill>
+                        <a:srgbClr val="FFFFFF"/>
+                      </a:solidFill>
+                      <a:prstDash val="solid"/>
+                      <a:round/>
+                      <a:headEnd type="none" w="med" len="med"/>
+                      <a:tailEnd type="none" w="med" len="med"/>
+                    </a:lnT>
+                    <a:lnB w="12700" cap="flat" cmpd="sng" algn="ctr">
+                      <a:solidFill>
+                        <a:srgbClr val="FFFFFF"/>
+                      </a:solidFill>
+                      <a:prstDash val="solid"/>
+                      <a:round/>
+                      <a:headEnd type="none" w="med" len="med"/>
+                      <a:tailEnd type="none" w="med" len="med"/>
+                    </a:lnB>
+                    <a:solidFill>
+                      <a:srgbClr val="979797"/>
+                    </a:solidFill>
+                  </a:tcPr>
+                </a:tc>
+                <a:tc>
+                  <a:txBody>
+                    <a:bodyPr/>
+                    <a:lstStyle/>
+                    <a:p>
+                      <a:pPr algn="ctr" fontAlgn="ctr">
+                        <a:spcBef>
+                          <a:spcPts val="0"/>
+                        </a:spcBef>
+                        <a:spcAft>
+                          <a:spcPts val="0"/>
+                        </a:spcAft>
+                      </a:pPr>
+                      <a:r>
+                        <a:rPr lang="da-DK" sz="1200" b="1" i="0" u="none" strike="noStrike">
+                          <a:solidFill>
+                            <a:srgbClr val="FFFFFF"/>
+                          </a:solidFill>
+                          <a:effectLst/>
+                          <a:latin typeface="Calibri" panose="020F0502020204030204" pitchFamily="34" charset="0"/>
+                        </a:rPr>
+                        <a:t>Alvorlig</a:t>
+                      </a:r>
+                      <a:endParaRPr lang="da-DK" sz="1100" b="0" i="0" u="none" strike="noStrike">
+                        <a:effectLst/>
+                        <a:latin typeface="Arial" panose="020B0604020202020204" pitchFamily="34" charset="0"/>
+                      </a:endParaRPr>
+                    </a:p>
+                  </a:txBody>
+                  <a:tcPr marL="3876" marR="3876" marT="3876" marB="0" anchor="ctr">
+                    <a:lnL w="12700" cap="flat" cmpd="sng" algn="ctr">
+                      <a:solidFill>
+                        <a:srgbClr val="FFFFFF"/>
+                      </a:solidFill>
+                      <a:prstDash val="solid"/>
+                      <a:round/>
+                      <a:headEnd type="none" w="med" len="med"/>
+                      <a:tailEnd type="none" w="med" len="med"/>
+                    </a:lnL>
+                    <a:lnR w="12700" cap="flat" cmpd="sng" algn="ctr">
+                      <a:solidFill>
+                        <a:srgbClr val="FFFFFF"/>
+                      </a:solidFill>
+                      <a:prstDash val="solid"/>
+                      <a:round/>
+                      <a:headEnd type="none" w="med" len="med"/>
+                      <a:tailEnd type="none" w="med" len="med"/>
+                    </a:lnR>
+                    <a:lnT w="12700" cap="flat" cmpd="sng" algn="ctr">
+                      <a:solidFill>
+                        <a:srgbClr val="FFFFFF"/>
+                      </a:solidFill>
+                      <a:prstDash val="solid"/>
+                      <a:round/>
+                      <a:headEnd type="none" w="med" len="med"/>
+                      <a:tailEnd type="none" w="med" len="med"/>
+                    </a:lnT>
+                    <a:lnB w="12700" cap="flat" cmpd="sng" algn="ctr">
+                      <a:solidFill>
+                        <a:srgbClr val="FFFFFF"/>
+                      </a:solidFill>
+                      <a:prstDash val="solid"/>
+                      <a:round/>
+                      <a:headEnd type="none" w="med" len="med"/>
+                      <a:tailEnd type="none" w="med" len="med"/>
+                    </a:lnB>
+                    <a:solidFill>
+                      <a:srgbClr val="979797"/>
+                    </a:solidFill>
+                  </a:tcPr>
+                </a:tc>
+                <a:tc>
+                  <a:txBody>
+                    <a:bodyPr/>
+                    <a:lstStyle/>
+                    <a:p>
+                      <a:pPr algn="ctr" fontAlgn="ctr">
+                        <a:spcBef>
+                          <a:spcPts val="0"/>
+                        </a:spcBef>
+                        <a:spcAft>
+                          <a:spcPts val="0"/>
+                        </a:spcAft>
+                      </a:pPr>
+                      <a:r>
+                        <a:rPr lang="da-DK" sz="1200" b="1" i="0" u="none" strike="noStrike">
+                          <a:solidFill>
+                            <a:srgbClr val="FFFFFF"/>
+                          </a:solidFill>
+                          <a:effectLst/>
+                          <a:latin typeface="Calibri" panose="020F0502020204030204" pitchFamily="34" charset="0"/>
+                        </a:rPr>
+                        <a:t>Katastrofal</a:t>
+                      </a:r>
+                      <a:endParaRPr lang="da-DK" sz="1100" b="0" i="0" u="none" strike="noStrike">
+                        <a:effectLst/>
+                        <a:latin typeface="Arial" panose="020B0604020202020204" pitchFamily="34" charset="0"/>
+                      </a:endParaRPr>
+                    </a:p>
+                  </a:txBody>
+                  <a:tcPr marL="3876" marR="3876" marT="3876" marB="0" anchor="ctr">
+                    <a:lnL w="12700" cap="flat" cmpd="sng" algn="ctr">
+                      <a:solidFill>
+                        <a:srgbClr val="FFFFFF"/>
+                      </a:solidFill>
+                      <a:prstDash val="solid"/>
+                      <a:round/>
+                      <a:headEnd type="none" w="med" len="med"/>
+                      <a:tailEnd type="none" w="med" len="med"/>
+                    </a:lnL>
+                    <a:lnR w="12700" cap="flat" cmpd="sng" algn="ctr">
+                      <a:solidFill>
+                        <a:srgbClr val="FFFFFF"/>
+                      </a:solidFill>
+                      <a:prstDash val="solid"/>
+                      <a:round/>
+                      <a:headEnd type="none" w="med" len="med"/>
+                      <a:tailEnd type="none" w="med" len="med"/>
+                    </a:lnR>
+                    <a:lnT w="12700" cap="flat" cmpd="sng" algn="ctr">
+                      <a:solidFill>
+                        <a:srgbClr val="FFFFFF"/>
+                      </a:solidFill>
+                      <a:prstDash val="solid"/>
+                      <a:round/>
+                      <a:headEnd type="none" w="med" len="med"/>
+                      <a:tailEnd type="none" w="med" len="med"/>
+                    </a:lnT>
+                    <a:lnB w="12700" cap="flat" cmpd="sng" algn="ctr">
+                      <a:solidFill>
+                        <a:srgbClr val="FFFFFF"/>
+                      </a:solidFill>
+                      <a:prstDash val="solid"/>
+                      <a:round/>
+                      <a:headEnd type="none" w="med" len="med"/>
+                      <a:tailEnd type="none" w="med" len="med"/>
+                    </a:lnB>
+                    <a:solidFill>
+                      <a:srgbClr val="979797"/>
+                    </a:solidFill>
+                  </a:tcPr>
+                </a:tc>
+                <a:extLst>
+                  <a:ext uri="{0D108BD9-81ED-4DB2-BD59-A6C34878D82A}">
+                    <a16:rowId xmlns:a16="http://schemas.microsoft.com/office/drawing/2014/main" val="1917330578"/>
+                  </a:ext>
+                </a:extLst>
+              </a:tr>
+              <a:tr h="584380">
+                <a:tc vMerge="1">
+                  <a:txBody>
+                    <a:bodyPr/>
+                    <a:lstStyle/>
+                    <a:p>
+                      <a:endParaRPr lang="en-DK"/>
+                    </a:p>
+                  </a:txBody>
+                  <a:tcPr/>
+                </a:tc>
+                <a:tc>
+                  <a:txBody>
+                    <a:bodyPr/>
+                    <a:lstStyle/>
+                    <a:p>
+                      <a:pPr algn="ctr" fontAlgn="ctr">
+                        <a:spcBef>
+                          <a:spcPts val="0"/>
+                        </a:spcBef>
+                        <a:spcAft>
+                          <a:spcPts val="0"/>
+                        </a:spcAft>
+                      </a:pPr>
+                      <a:r>
+                        <a:rPr lang="da-DK" sz="1200" b="1" i="0" u="none" strike="noStrike">
+                          <a:solidFill>
+                            <a:srgbClr val="FFFFFF"/>
+                          </a:solidFill>
+                          <a:effectLst/>
+                          <a:latin typeface="Calibri" panose="020F0502020204030204" pitchFamily="34" charset="0"/>
+                        </a:rPr>
+                        <a:t>Ikke sandsynlig</a:t>
+                      </a:r>
+                      <a:endParaRPr lang="da-DK" sz="1100" b="0" i="0" u="none" strike="noStrike">
+                        <a:effectLst/>
+                        <a:latin typeface="Arial" panose="020B0604020202020204" pitchFamily="34" charset="0"/>
+                      </a:endParaRPr>
+                    </a:p>
+                  </a:txBody>
+                  <a:tcPr marL="3876" marR="3876" marT="3876" marB="0" anchor="ctr">
+                    <a:lnL w="12700" cap="flat" cmpd="sng" algn="ctr">
+                      <a:solidFill>
+                        <a:srgbClr val="FFFFFF"/>
+                      </a:solidFill>
+                      <a:prstDash val="solid"/>
+                      <a:round/>
+                      <a:headEnd type="none" w="med" len="med"/>
+                      <a:tailEnd type="none" w="med" len="med"/>
+                    </a:lnL>
+                    <a:lnR w="12700" cap="flat" cmpd="sng" algn="ctr">
+                      <a:solidFill>
+                        <a:srgbClr val="FFFFFF"/>
+                      </a:solidFill>
+                      <a:prstDash val="solid"/>
+                      <a:round/>
+                      <a:headEnd type="none" w="med" len="med"/>
+                      <a:tailEnd type="none" w="med" len="med"/>
+                    </a:lnR>
+                    <a:lnT w="12700" cap="flat" cmpd="sng" algn="ctr">
+                      <a:solidFill>
+                        <a:srgbClr val="FFFFFF"/>
+                      </a:solidFill>
+                      <a:prstDash val="solid"/>
+                      <a:round/>
+                      <a:headEnd type="none" w="med" len="med"/>
+                      <a:tailEnd type="none" w="med" len="med"/>
+                    </a:lnT>
+                    <a:lnB w="12700" cap="flat" cmpd="sng" algn="ctr">
+                      <a:solidFill>
+                        <a:srgbClr val="FFFFFF"/>
+                      </a:solidFill>
+                      <a:prstDash val="solid"/>
+                      <a:round/>
+                      <a:headEnd type="none" w="med" len="med"/>
+                      <a:tailEnd type="none" w="med" len="med"/>
+                    </a:lnB>
+                    <a:solidFill>
+                      <a:srgbClr val="979797"/>
+                    </a:solidFill>
+                  </a:tcPr>
+                </a:tc>
+                <a:tc>
+                  <a:txBody>
+                    <a:bodyPr/>
+                    <a:lstStyle/>
+                    <a:p>
+                      <a:pPr algn="ctr" fontAlgn="ctr">
+                        <a:spcBef>
+                          <a:spcPts val="0"/>
+                        </a:spcBef>
+                        <a:spcAft>
+                          <a:spcPts val="0"/>
+                        </a:spcAft>
+                      </a:pPr>
+                      <a:r>
+                        <a:rPr lang="da-DK" sz="1200" b="1" i="0" u="none" strike="noStrike">
+                          <a:solidFill>
+                            <a:srgbClr val="000000"/>
+                          </a:solidFill>
+                          <a:effectLst/>
+                          <a:latin typeface="Calibri" panose="020F0502020204030204" pitchFamily="34" charset="0"/>
+                        </a:rPr>
+                        <a:t>Uautoriseret adgang til wifi</a:t>
+                      </a:r>
+                      <a:endParaRPr lang="da-DK" sz="1100" b="0" i="0" u="none" strike="noStrike">
+                        <a:effectLst/>
+                        <a:latin typeface="Arial" panose="020B0604020202020204" pitchFamily="34" charset="0"/>
+                      </a:endParaRPr>
+                    </a:p>
+                  </a:txBody>
+                  <a:tcPr marL="3876" marR="3876" marT="3876" marB="0" anchor="ctr">
+                    <a:lnL w="12700" cap="flat" cmpd="sng" algn="ctr">
+                      <a:solidFill>
+                        <a:srgbClr val="FFFFFF"/>
+                      </a:solidFill>
+                      <a:prstDash val="solid"/>
+                      <a:round/>
+                      <a:headEnd type="none" w="med" len="med"/>
+                      <a:tailEnd type="none" w="med" len="med"/>
+                    </a:lnL>
+                    <a:lnR w="12700" cap="flat" cmpd="sng" algn="ctr">
+                      <a:solidFill>
+                        <a:srgbClr val="FFFFFF"/>
+                      </a:solidFill>
+                      <a:prstDash val="solid"/>
+                      <a:round/>
+                      <a:headEnd type="none" w="med" len="med"/>
+                      <a:tailEnd type="none" w="med" len="med"/>
+                    </a:lnR>
+                    <a:lnT w="12700" cap="flat" cmpd="sng" algn="ctr">
+                      <a:solidFill>
+                        <a:srgbClr val="FFFFFF"/>
+                      </a:solidFill>
+                      <a:prstDash val="solid"/>
+                      <a:round/>
+                      <a:headEnd type="none" w="med" len="med"/>
+                      <a:tailEnd type="none" w="med" len="med"/>
+                    </a:lnT>
+                    <a:lnB w="12700" cap="flat" cmpd="sng" algn="ctr">
+                      <a:solidFill>
+                        <a:srgbClr val="FFFFFF"/>
+                      </a:solidFill>
+                      <a:prstDash val="solid"/>
+                      <a:round/>
+                      <a:headEnd type="none" w="med" len="med"/>
+                      <a:tailEnd type="none" w="med" len="med"/>
+                    </a:lnB>
+                    <a:solidFill>
+                      <a:srgbClr val="3EC694"/>
+                    </a:solidFill>
+                  </a:tcPr>
+                </a:tc>
+                <a:tc>
+                  <a:txBody>
+                    <a:bodyPr/>
+                    <a:lstStyle/>
+                    <a:p>
+                      <a:pPr algn="ctr" fontAlgn="ctr">
+                        <a:spcBef>
+                          <a:spcPts val="0"/>
+                        </a:spcBef>
+                        <a:spcAft>
+                          <a:spcPts val="0"/>
+                        </a:spcAft>
+                      </a:pPr>
+                      <a:r>
+                        <a:rPr lang="da-DK" sz="1200" b="1" i="0" u="none" strike="noStrike">
+                          <a:solidFill>
+                            <a:srgbClr val="000000"/>
+                          </a:solidFill>
+                          <a:effectLst/>
+                          <a:latin typeface="Calibri" panose="020F0502020204030204" pitchFamily="34" charset="0"/>
+                        </a:rPr>
+                        <a:t>Snyd med karakterer ved hacking</a:t>
+                      </a:r>
+                      <a:endParaRPr lang="da-DK" sz="1100" b="0" i="0" u="none" strike="noStrike">
+                        <a:effectLst/>
+                        <a:latin typeface="Arial" panose="020B0604020202020204" pitchFamily="34" charset="0"/>
+                      </a:endParaRPr>
+                    </a:p>
+                  </a:txBody>
+                  <a:tcPr marL="3876" marR="3876" marT="3876" marB="0" anchor="ctr">
+                    <a:lnL w="12700" cap="flat" cmpd="sng" algn="ctr">
+                      <a:solidFill>
+                        <a:srgbClr val="FFFFFF"/>
+                      </a:solidFill>
+                      <a:prstDash val="solid"/>
+                      <a:round/>
+                      <a:headEnd type="none" w="med" len="med"/>
+                      <a:tailEnd type="none" w="med" len="med"/>
+                    </a:lnL>
+                    <a:lnR w="12700" cap="flat" cmpd="sng" algn="ctr">
+                      <a:solidFill>
+                        <a:srgbClr val="FFFFFF"/>
+                      </a:solidFill>
+                      <a:prstDash val="solid"/>
+                      <a:round/>
+                      <a:headEnd type="none" w="med" len="med"/>
+                      <a:tailEnd type="none" w="med" len="med"/>
+                    </a:lnR>
+                    <a:lnT w="12700" cap="flat" cmpd="sng" algn="ctr">
+                      <a:solidFill>
+                        <a:srgbClr val="FFFFFF"/>
+                      </a:solidFill>
+                      <a:prstDash val="solid"/>
+                      <a:round/>
+                      <a:headEnd type="none" w="med" len="med"/>
+                      <a:tailEnd type="none" w="med" len="med"/>
+                    </a:lnT>
+                    <a:lnB w="12700" cap="flat" cmpd="sng" algn="ctr">
+                      <a:solidFill>
+                        <a:srgbClr val="FFFFFF"/>
+                      </a:solidFill>
+                      <a:prstDash val="solid"/>
+                      <a:round/>
+                      <a:headEnd type="none" w="med" len="med"/>
+                      <a:tailEnd type="none" w="med" len="med"/>
+                    </a:lnB>
+                    <a:solidFill>
+                      <a:srgbClr val="DAB36D"/>
+                    </a:solidFill>
+                  </a:tcPr>
+                </a:tc>
+                <a:tc>
+                  <a:txBody>
+                    <a:bodyPr/>
+                    <a:lstStyle/>
+                    <a:p>
+                      <a:pPr algn="ctr" fontAlgn="ctr">
+                        <a:spcBef>
+                          <a:spcPts val="0"/>
+                        </a:spcBef>
+                        <a:spcAft>
+                          <a:spcPts val="0"/>
+                        </a:spcAft>
+                      </a:pPr>
+                      <a:r>
+                        <a:rPr lang="da-DK" sz="1200" b="1" i="0" u="none" strike="noStrike">
+                          <a:solidFill>
+                            <a:srgbClr val="000000"/>
+                          </a:solidFill>
+                          <a:effectLst/>
+                          <a:latin typeface="Calibri" panose="020F0502020204030204" pitchFamily="34" charset="0"/>
+                        </a:rPr>
+                        <a:t>Skoleskyderi</a:t>
+                      </a:r>
+                      <a:endParaRPr lang="da-DK" sz="1100" b="0" i="0" u="none" strike="noStrike">
+                        <a:effectLst/>
+                        <a:latin typeface="Arial" panose="020B0604020202020204" pitchFamily="34" charset="0"/>
+                      </a:endParaRPr>
+                    </a:p>
+                  </a:txBody>
+                  <a:tcPr marL="3876" marR="3876" marT="3876" marB="0" anchor="ctr">
+                    <a:lnL w="12700" cap="flat" cmpd="sng" algn="ctr">
+                      <a:solidFill>
+                        <a:srgbClr val="FFFFFF"/>
+                      </a:solidFill>
+                      <a:prstDash val="solid"/>
+                      <a:round/>
+                      <a:headEnd type="none" w="med" len="med"/>
+                      <a:tailEnd type="none" w="med" len="med"/>
+                    </a:lnL>
+                    <a:lnR w="12700" cap="flat" cmpd="sng" algn="ctr">
+                      <a:solidFill>
+                        <a:srgbClr val="FFFFFF"/>
+                      </a:solidFill>
+                      <a:prstDash val="solid"/>
+                      <a:round/>
+                      <a:headEnd type="none" w="med" len="med"/>
+                      <a:tailEnd type="none" w="med" len="med"/>
+                    </a:lnR>
+                    <a:lnT w="12700" cap="flat" cmpd="sng" algn="ctr">
+                      <a:solidFill>
+                        <a:srgbClr val="FFFFFF"/>
+                      </a:solidFill>
+                      <a:prstDash val="solid"/>
+                      <a:round/>
+                      <a:headEnd type="none" w="med" len="med"/>
+                      <a:tailEnd type="none" w="med" len="med"/>
+                    </a:lnT>
+                    <a:lnB w="12700" cap="flat" cmpd="sng" algn="ctr">
+                      <a:solidFill>
+                        <a:srgbClr val="FFFFFF"/>
+                      </a:solidFill>
+                      <a:prstDash val="solid"/>
+                      <a:round/>
+                      <a:headEnd type="none" w="med" len="med"/>
+                      <a:tailEnd type="none" w="med" len="med"/>
+                    </a:lnB>
+                    <a:solidFill>
+                      <a:srgbClr val="DAB36D"/>
+                    </a:solidFill>
+                  </a:tcPr>
+                </a:tc>
+                <a:extLst>
+                  <a:ext uri="{0D108BD9-81ED-4DB2-BD59-A6C34878D82A}">
+                    <a16:rowId xmlns:a16="http://schemas.microsoft.com/office/drawing/2014/main" val="1724164594"/>
+                  </a:ext>
+                </a:extLst>
+              </a:tr>
+              <a:tr h="584380">
+                <a:tc vMerge="1">
+                  <a:txBody>
+                    <a:bodyPr/>
+                    <a:lstStyle/>
+                    <a:p>
+                      <a:endParaRPr lang="en-DK"/>
+                    </a:p>
+                  </a:txBody>
+                  <a:tcPr/>
+                </a:tc>
+                <a:tc>
+                  <a:txBody>
+                    <a:bodyPr/>
+                    <a:lstStyle/>
+                    <a:p>
+                      <a:pPr algn="ctr" fontAlgn="ctr">
+                        <a:spcBef>
+                          <a:spcPts val="0"/>
+                        </a:spcBef>
+                        <a:spcAft>
+                          <a:spcPts val="0"/>
+                        </a:spcAft>
+                      </a:pPr>
+                      <a:r>
+                        <a:rPr lang="da-DK" sz="1200" b="1" i="0" u="none" strike="noStrike">
+                          <a:solidFill>
+                            <a:srgbClr val="FFFFFF"/>
+                          </a:solidFill>
+                          <a:effectLst/>
+                          <a:latin typeface="Calibri" panose="020F0502020204030204" pitchFamily="34" charset="0"/>
+                        </a:rPr>
+                        <a:t>Ret sandsynlig</a:t>
+                      </a:r>
+                      <a:endParaRPr lang="da-DK" sz="1100" b="0" i="0" u="none" strike="noStrike">
+                        <a:effectLst/>
+                        <a:latin typeface="Arial" panose="020B0604020202020204" pitchFamily="34" charset="0"/>
+                      </a:endParaRPr>
+                    </a:p>
+                  </a:txBody>
+                  <a:tcPr marL="3876" marR="3876" marT="3876" marB="0" anchor="ctr">
+                    <a:lnL w="12700" cap="flat" cmpd="sng" algn="ctr">
+                      <a:solidFill>
+                        <a:srgbClr val="FFFFFF"/>
+                      </a:solidFill>
+                      <a:prstDash val="solid"/>
+                      <a:round/>
+                      <a:headEnd type="none" w="med" len="med"/>
+                      <a:tailEnd type="none" w="med" len="med"/>
+                    </a:lnL>
+                    <a:lnR w="12700" cap="flat" cmpd="sng" algn="ctr">
+                      <a:solidFill>
+                        <a:srgbClr val="FFFFFF"/>
+                      </a:solidFill>
+                      <a:prstDash val="solid"/>
+                      <a:round/>
+                      <a:headEnd type="none" w="med" len="med"/>
+                      <a:tailEnd type="none" w="med" len="med"/>
+                    </a:lnR>
+                    <a:lnT w="12700" cap="flat" cmpd="sng" algn="ctr">
+                      <a:solidFill>
+                        <a:srgbClr val="FFFFFF"/>
+                      </a:solidFill>
+                      <a:prstDash val="solid"/>
+                      <a:round/>
+                      <a:headEnd type="none" w="med" len="med"/>
+                      <a:tailEnd type="none" w="med" len="med"/>
+                    </a:lnT>
+                    <a:lnB w="12700" cap="flat" cmpd="sng" algn="ctr">
+                      <a:solidFill>
+                        <a:srgbClr val="FFFFFF"/>
+                      </a:solidFill>
+                      <a:prstDash val="solid"/>
+                      <a:round/>
+                      <a:headEnd type="none" w="med" len="med"/>
+                      <a:tailEnd type="none" w="med" len="med"/>
+                    </a:lnB>
+                    <a:solidFill>
+                      <a:srgbClr val="979797"/>
+                    </a:solidFill>
+                  </a:tcPr>
+                </a:tc>
+                <a:tc>
+                  <a:txBody>
+                    <a:bodyPr/>
+                    <a:lstStyle/>
+                    <a:p>
+                      <a:pPr algn="ctr" fontAlgn="ctr">
+                        <a:spcBef>
+                          <a:spcPts val="0"/>
+                        </a:spcBef>
+                        <a:spcAft>
+                          <a:spcPts val="0"/>
+                        </a:spcAft>
+                      </a:pPr>
+                      <a:r>
+                        <a:rPr lang="da-DK" sz="1200" b="1" i="0" u="none" strike="noStrike">
+                          <a:solidFill>
+                            <a:srgbClr val="000000"/>
+                          </a:solidFill>
+                          <a:effectLst/>
+                          <a:latin typeface="Calibri" panose="020F0502020204030204" pitchFamily="34" charset="0"/>
+                        </a:rPr>
+                        <a:t>Videresalg af konti</a:t>
+                      </a:r>
+                      <a:endParaRPr lang="da-DK" sz="1100" b="0" i="0" u="none" strike="noStrike">
+                        <a:effectLst/>
+                        <a:latin typeface="Arial" panose="020B0604020202020204" pitchFamily="34" charset="0"/>
+                      </a:endParaRPr>
+                    </a:p>
+                  </a:txBody>
+                  <a:tcPr marL="3876" marR="3876" marT="3876" marB="0" anchor="ctr">
+                    <a:lnL w="12700" cap="flat" cmpd="sng" algn="ctr">
+                      <a:solidFill>
+                        <a:srgbClr val="FFFFFF"/>
+                      </a:solidFill>
+                      <a:prstDash val="solid"/>
+                      <a:round/>
+                      <a:headEnd type="none" w="med" len="med"/>
+                      <a:tailEnd type="none" w="med" len="med"/>
+                    </a:lnL>
+                    <a:lnR w="12700" cap="flat" cmpd="sng" algn="ctr">
+                      <a:solidFill>
+                        <a:srgbClr val="FFFFFF"/>
+                      </a:solidFill>
+                      <a:prstDash val="solid"/>
+                      <a:round/>
+                      <a:headEnd type="none" w="med" len="med"/>
+                      <a:tailEnd type="none" w="med" len="med"/>
+                    </a:lnR>
+                    <a:lnT w="12700" cap="flat" cmpd="sng" algn="ctr">
+                      <a:solidFill>
+                        <a:srgbClr val="FFFFFF"/>
+                      </a:solidFill>
+                      <a:prstDash val="solid"/>
+                      <a:round/>
+                      <a:headEnd type="none" w="med" len="med"/>
+                      <a:tailEnd type="none" w="med" len="med"/>
+                    </a:lnT>
+                    <a:lnB w="12700" cap="flat" cmpd="sng" algn="ctr">
+                      <a:solidFill>
+                        <a:srgbClr val="FFFFFF"/>
+                      </a:solidFill>
+                      <a:prstDash val="solid"/>
+                      <a:round/>
+                      <a:headEnd type="none" w="med" len="med"/>
+                      <a:tailEnd type="none" w="med" len="med"/>
+                    </a:lnB>
+                    <a:solidFill>
+                      <a:srgbClr val="3EC694"/>
+                    </a:solidFill>
+                  </a:tcPr>
+                </a:tc>
+                <a:tc>
+                  <a:txBody>
+                    <a:bodyPr/>
+                    <a:lstStyle/>
+                    <a:p>
+                      <a:pPr algn="ctr" fontAlgn="ctr">
+                        <a:spcBef>
+                          <a:spcPts val="0"/>
+                        </a:spcBef>
+                        <a:spcAft>
+                          <a:spcPts val="0"/>
+                        </a:spcAft>
+                      </a:pPr>
+                      <a:r>
+                        <a:rPr lang="da-DK" sz="1200" b="1" i="0" u="none" strike="noStrike">
+                          <a:solidFill>
+                            <a:srgbClr val="000000"/>
+                          </a:solidFill>
+                          <a:effectLst/>
+                          <a:latin typeface="Calibri" panose="020F0502020204030204" pitchFamily="34" charset="0"/>
+                        </a:rPr>
+                        <a:t>Infektion med virus</a:t>
+                      </a:r>
+                      <a:endParaRPr lang="da-DK" sz="1100" b="0" i="0" u="none" strike="noStrike">
+                        <a:effectLst/>
+                        <a:latin typeface="Arial" panose="020B0604020202020204" pitchFamily="34" charset="0"/>
+                      </a:endParaRPr>
+                    </a:p>
+                  </a:txBody>
+                  <a:tcPr marL="3876" marR="3876" marT="3876" marB="0" anchor="ctr">
+                    <a:lnL w="12700" cap="flat" cmpd="sng" algn="ctr">
+                      <a:solidFill>
+                        <a:srgbClr val="FFFFFF"/>
+                      </a:solidFill>
+                      <a:prstDash val="solid"/>
+                      <a:round/>
+                      <a:headEnd type="none" w="med" len="med"/>
+                      <a:tailEnd type="none" w="med" len="med"/>
+                    </a:lnL>
+                    <a:lnR w="12700" cap="flat" cmpd="sng" algn="ctr">
+                      <a:solidFill>
+                        <a:srgbClr val="FFFFFF"/>
+                      </a:solidFill>
+                      <a:prstDash val="solid"/>
+                      <a:round/>
+                      <a:headEnd type="none" w="med" len="med"/>
+                      <a:tailEnd type="none" w="med" len="med"/>
+                    </a:lnR>
+                    <a:lnT w="12700" cap="flat" cmpd="sng" algn="ctr">
+                      <a:solidFill>
+                        <a:srgbClr val="FFFFFF"/>
+                      </a:solidFill>
+                      <a:prstDash val="solid"/>
+                      <a:round/>
+                      <a:headEnd type="none" w="med" len="med"/>
+                      <a:tailEnd type="none" w="med" len="med"/>
+                    </a:lnT>
+                    <a:lnB w="12700" cap="flat" cmpd="sng" algn="ctr">
+                      <a:solidFill>
+                        <a:srgbClr val="FFFFFF"/>
+                      </a:solidFill>
+                      <a:prstDash val="solid"/>
+                      <a:round/>
+                      <a:headEnd type="none" w="med" len="med"/>
+                      <a:tailEnd type="none" w="med" len="med"/>
+                    </a:lnB>
+                    <a:solidFill>
+                      <a:srgbClr val="DAB36D"/>
+                    </a:solidFill>
+                  </a:tcPr>
+                </a:tc>
+                <a:tc>
+                  <a:txBody>
+                    <a:bodyPr/>
+                    <a:lstStyle/>
+                    <a:p>
+                      <a:pPr algn="ctr" fontAlgn="ctr">
+                        <a:spcBef>
+                          <a:spcPts val="0"/>
+                        </a:spcBef>
+                        <a:spcAft>
+                          <a:spcPts val="0"/>
+                        </a:spcAft>
+                      </a:pPr>
+                      <a:r>
+                        <a:rPr lang="da-DK" sz="1200" b="1" i="0" u="none" strike="noStrike">
+                          <a:solidFill>
+                            <a:srgbClr val="000000"/>
+                          </a:solidFill>
+                          <a:effectLst/>
+                          <a:latin typeface="Calibri" panose="020F0502020204030204" pitchFamily="34" charset="0"/>
+                        </a:rPr>
+                        <a:t>Kapring af system til botnet</a:t>
+                      </a:r>
+                      <a:endParaRPr lang="da-DK" sz="1100" b="0" i="0" u="none" strike="noStrike">
+                        <a:effectLst/>
+                        <a:latin typeface="Arial" panose="020B0604020202020204" pitchFamily="34" charset="0"/>
+                      </a:endParaRPr>
+                    </a:p>
+                  </a:txBody>
+                  <a:tcPr marL="3876" marR="3876" marT="3876" marB="0" anchor="ctr">
+                    <a:lnL w="12700" cap="flat" cmpd="sng" algn="ctr">
+                      <a:solidFill>
+                        <a:srgbClr val="FFFFFF"/>
+                      </a:solidFill>
+                      <a:prstDash val="solid"/>
+                      <a:round/>
+                      <a:headEnd type="none" w="med" len="med"/>
+                      <a:tailEnd type="none" w="med" len="med"/>
+                    </a:lnL>
+                    <a:lnR w="12700" cap="flat" cmpd="sng" algn="ctr">
+                      <a:solidFill>
+                        <a:srgbClr val="FFFFFF"/>
+                      </a:solidFill>
+                      <a:prstDash val="solid"/>
+                      <a:round/>
+                      <a:headEnd type="none" w="med" len="med"/>
+                      <a:tailEnd type="none" w="med" len="med"/>
+                    </a:lnR>
+                    <a:lnT w="12700" cap="flat" cmpd="sng" algn="ctr">
+                      <a:solidFill>
+                        <a:srgbClr val="FFFFFF"/>
+                      </a:solidFill>
+                      <a:prstDash val="solid"/>
+                      <a:round/>
+                      <a:headEnd type="none" w="med" len="med"/>
+                      <a:tailEnd type="none" w="med" len="med"/>
+                    </a:lnT>
+                    <a:lnB w="12700" cap="flat" cmpd="sng" algn="ctr">
+                      <a:solidFill>
+                        <a:srgbClr val="FFFFFF"/>
+                      </a:solidFill>
+                      <a:prstDash val="solid"/>
+                      <a:round/>
+                      <a:headEnd type="none" w="med" len="med"/>
+                      <a:tailEnd type="none" w="med" len="med"/>
+                    </a:lnB>
+                    <a:solidFill>
+                      <a:srgbClr val="FF8063"/>
+                    </a:solidFill>
+                  </a:tcPr>
+                </a:tc>
+                <a:extLst>
+                  <a:ext uri="{0D108BD9-81ED-4DB2-BD59-A6C34878D82A}">
+                    <a16:rowId xmlns:a16="http://schemas.microsoft.com/office/drawing/2014/main" val="1544391120"/>
+                  </a:ext>
+                </a:extLst>
+              </a:tr>
+              <a:tr h="584380">
+                <a:tc vMerge="1">
+                  <a:txBody>
+                    <a:bodyPr/>
+                    <a:lstStyle/>
+                    <a:p>
+                      <a:endParaRPr lang="en-DK"/>
+                    </a:p>
+                  </a:txBody>
+                  <a:tcPr/>
+                </a:tc>
+                <a:tc>
+                  <a:txBody>
+                    <a:bodyPr/>
+                    <a:lstStyle/>
+                    <a:p>
+                      <a:pPr algn="ctr" fontAlgn="ctr">
+                        <a:spcBef>
+                          <a:spcPts val="0"/>
+                        </a:spcBef>
+                        <a:spcAft>
+                          <a:spcPts val="0"/>
+                        </a:spcAft>
+                      </a:pPr>
+                      <a:r>
+                        <a:rPr lang="da-DK" sz="1200" b="1" i="0" u="none" strike="noStrike">
+                          <a:solidFill>
+                            <a:srgbClr val="FFFFFF"/>
+                          </a:solidFill>
+                          <a:effectLst/>
+                          <a:latin typeface="Calibri" panose="020F0502020204030204" pitchFamily="34" charset="0"/>
+                        </a:rPr>
+                        <a:t>Sandsynlig</a:t>
+                      </a:r>
+                      <a:endParaRPr lang="da-DK" sz="1100" b="0" i="0" u="none" strike="noStrike">
+                        <a:effectLst/>
+                        <a:latin typeface="Arial" panose="020B0604020202020204" pitchFamily="34" charset="0"/>
+                      </a:endParaRPr>
+                    </a:p>
+                  </a:txBody>
+                  <a:tcPr marL="3876" marR="3876" marT="3876" marB="0" anchor="ctr">
+                    <a:lnL w="12700" cap="flat" cmpd="sng" algn="ctr">
+                      <a:solidFill>
+                        <a:srgbClr val="FFFFFF"/>
+                      </a:solidFill>
+                      <a:prstDash val="solid"/>
+                      <a:round/>
+                      <a:headEnd type="none" w="med" len="med"/>
+                      <a:tailEnd type="none" w="med" len="med"/>
+                    </a:lnL>
+                    <a:lnR w="12700" cap="flat" cmpd="sng" algn="ctr">
+                      <a:solidFill>
+                        <a:srgbClr val="FFFFFF"/>
+                      </a:solidFill>
+                      <a:prstDash val="solid"/>
+                      <a:round/>
+                      <a:headEnd type="none" w="med" len="med"/>
+                      <a:tailEnd type="none" w="med" len="med"/>
+                    </a:lnR>
+                    <a:lnT w="12700" cap="flat" cmpd="sng" algn="ctr">
+                      <a:solidFill>
+                        <a:srgbClr val="FFFFFF"/>
+                      </a:solidFill>
+                      <a:prstDash val="solid"/>
+                      <a:round/>
+                      <a:headEnd type="none" w="med" len="med"/>
+                      <a:tailEnd type="none" w="med" len="med"/>
+                    </a:lnT>
+                    <a:lnB w="12700" cap="flat" cmpd="sng" algn="ctr">
+                      <a:solidFill>
+                        <a:srgbClr val="FFFFFF"/>
+                      </a:solidFill>
+                      <a:prstDash val="solid"/>
+                      <a:round/>
+                      <a:headEnd type="none" w="med" len="med"/>
+                      <a:tailEnd type="none" w="med" len="med"/>
+                    </a:lnB>
+                    <a:solidFill>
+                      <a:srgbClr val="979797"/>
+                    </a:solidFill>
+                  </a:tcPr>
+                </a:tc>
+                <a:tc>
+                  <a:txBody>
+                    <a:bodyPr/>
+                    <a:lstStyle/>
+                    <a:p>
+                      <a:pPr algn="ctr" fontAlgn="ctr">
+                        <a:spcBef>
+                          <a:spcPts val="0"/>
+                        </a:spcBef>
+                        <a:spcAft>
+                          <a:spcPts val="0"/>
+                        </a:spcAft>
+                      </a:pPr>
+                      <a:r>
+                        <a:rPr lang="da-DK" sz="1200" b="1" i="0" u="none" strike="noStrike">
+                          <a:solidFill>
+                            <a:srgbClr val="000000"/>
+                          </a:solidFill>
+                          <a:effectLst/>
+                          <a:latin typeface="Calibri" panose="020F0502020204030204" pitchFamily="34" charset="0"/>
+                        </a:rPr>
+                        <a:t>Opnåelse af uatoriseret adgang</a:t>
+                      </a:r>
+                      <a:endParaRPr lang="da-DK" sz="1100" b="0" i="0" u="none" strike="noStrike">
+                        <a:effectLst/>
+                        <a:latin typeface="Arial" panose="020B0604020202020204" pitchFamily="34" charset="0"/>
+                      </a:endParaRPr>
+                    </a:p>
+                  </a:txBody>
+                  <a:tcPr marL="3876" marR="3876" marT="3876" marB="0" anchor="ctr">
+                    <a:lnL w="12700" cap="flat" cmpd="sng" algn="ctr">
+                      <a:solidFill>
+                        <a:srgbClr val="FFFFFF"/>
+                      </a:solidFill>
+                      <a:prstDash val="solid"/>
+                      <a:round/>
+                      <a:headEnd type="none" w="med" len="med"/>
+                      <a:tailEnd type="none" w="med" len="med"/>
+                    </a:lnL>
+                    <a:lnR w="12700" cap="flat" cmpd="sng" algn="ctr">
+                      <a:solidFill>
+                        <a:srgbClr val="FFFFFF"/>
+                      </a:solidFill>
+                      <a:prstDash val="solid"/>
+                      <a:round/>
+                      <a:headEnd type="none" w="med" len="med"/>
+                      <a:tailEnd type="none" w="med" len="med"/>
+                    </a:lnR>
+                    <a:lnT w="12700" cap="flat" cmpd="sng" algn="ctr">
+                      <a:solidFill>
+                        <a:srgbClr val="FFFFFF"/>
+                      </a:solidFill>
+                      <a:prstDash val="solid"/>
+                      <a:round/>
+                      <a:headEnd type="none" w="med" len="med"/>
+                      <a:tailEnd type="none" w="med" len="med"/>
+                    </a:lnT>
+                    <a:lnB w="12700" cap="flat" cmpd="sng" algn="ctr">
+                      <a:solidFill>
+                        <a:srgbClr val="FFFFFF"/>
+                      </a:solidFill>
+                      <a:prstDash val="solid"/>
+                      <a:round/>
+                      <a:headEnd type="none" w="med" len="med"/>
+                      <a:tailEnd type="none" w="med" len="med"/>
+                    </a:lnB>
+                    <a:solidFill>
+                      <a:srgbClr val="DAB36D"/>
+                    </a:solidFill>
+                  </a:tcPr>
+                </a:tc>
+                <a:tc>
+                  <a:txBody>
+                    <a:bodyPr/>
+                    <a:lstStyle/>
+                    <a:p>
+                      <a:pPr algn="ctr" fontAlgn="ctr">
+                        <a:spcBef>
+                          <a:spcPts val="0"/>
+                        </a:spcBef>
+                        <a:spcAft>
+                          <a:spcPts val="0"/>
+                        </a:spcAft>
+                      </a:pPr>
+                      <a:r>
+                        <a:rPr lang="da-DK" sz="1200" b="1" i="0" u="none" strike="noStrike">
+                          <a:solidFill>
+                            <a:srgbClr val="000000"/>
+                          </a:solidFill>
+                          <a:effectLst/>
+                          <a:latin typeface="Calibri" panose="020F0502020204030204" pitchFamily="34" charset="0"/>
+                        </a:rPr>
+                        <a:t>Tyveri af passwords</a:t>
+                      </a:r>
+                      <a:endParaRPr lang="da-DK" sz="1100" b="0" i="0" u="none" strike="noStrike">
+                        <a:effectLst/>
+                        <a:latin typeface="Arial" panose="020B0604020202020204" pitchFamily="34" charset="0"/>
+                      </a:endParaRPr>
+                    </a:p>
+                  </a:txBody>
+                  <a:tcPr marL="3876" marR="3876" marT="3876" marB="0" anchor="ctr">
+                    <a:lnL w="12700" cap="flat" cmpd="sng" algn="ctr">
+                      <a:solidFill>
+                        <a:srgbClr val="FFFFFF"/>
+                      </a:solidFill>
+                      <a:prstDash val="solid"/>
+                      <a:round/>
+                      <a:headEnd type="none" w="med" len="med"/>
+                      <a:tailEnd type="none" w="med" len="med"/>
+                    </a:lnL>
+                    <a:lnR w="12700" cap="flat" cmpd="sng" algn="ctr">
+                      <a:solidFill>
+                        <a:srgbClr val="FFFFFF"/>
+                      </a:solidFill>
+                      <a:prstDash val="solid"/>
+                      <a:round/>
+                      <a:headEnd type="none" w="med" len="med"/>
+                      <a:tailEnd type="none" w="med" len="med"/>
+                    </a:lnR>
+                    <a:lnT w="12700" cap="flat" cmpd="sng" algn="ctr">
+                      <a:solidFill>
+                        <a:srgbClr val="FFFFFF"/>
+                      </a:solidFill>
+                      <a:prstDash val="solid"/>
+                      <a:round/>
+                      <a:headEnd type="none" w="med" len="med"/>
+                      <a:tailEnd type="none" w="med" len="med"/>
+                    </a:lnT>
+                    <a:lnB w="12700" cap="flat" cmpd="sng" algn="ctr">
+                      <a:solidFill>
+                        <a:srgbClr val="FFFFFF"/>
+                      </a:solidFill>
+                      <a:prstDash val="solid"/>
+                      <a:round/>
+                      <a:headEnd type="none" w="med" len="med"/>
+                      <a:tailEnd type="none" w="med" len="med"/>
+                    </a:lnB>
+                    <a:solidFill>
+                      <a:srgbClr val="FF8063"/>
+                    </a:solidFill>
+                  </a:tcPr>
+                </a:tc>
+                <a:tc>
+                  <a:txBody>
+                    <a:bodyPr/>
+                    <a:lstStyle/>
+                    <a:p>
+                      <a:pPr algn="ctr" fontAlgn="ctr">
+                        <a:spcBef>
+                          <a:spcPts val="0"/>
+                        </a:spcBef>
+                        <a:spcAft>
+                          <a:spcPts val="0"/>
+                        </a:spcAft>
+                      </a:pPr>
+                      <a:r>
+                        <a:rPr lang="da-DK" sz="1200" b="1" i="0" u="none" strike="noStrike" dirty="0">
+                          <a:solidFill>
+                            <a:srgbClr val="000000"/>
+                          </a:solidFill>
+                          <a:effectLst/>
+                          <a:latin typeface="Calibri" panose="020F0502020204030204" pitchFamily="34" charset="0"/>
+                        </a:rPr>
+                        <a:t>Ransomware</a:t>
+                      </a:r>
+                      <a:endParaRPr lang="da-DK" sz="1100" b="0" i="0" u="none" strike="noStrike" dirty="0">
+                        <a:effectLst/>
+                        <a:latin typeface="Arial" panose="020B0604020202020204" pitchFamily="34" charset="0"/>
+                      </a:endParaRPr>
+                    </a:p>
+                  </a:txBody>
+                  <a:tcPr marL="3876" marR="3876" marT="3876" marB="0" anchor="ctr">
+                    <a:lnL w="12700" cap="flat" cmpd="sng" algn="ctr">
+                      <a:solidFill>
+                        <a:srgbClr val="FFFFFF"/>
+                      </a:solidFill>
+                      <a:prstDash val="solid"/>
+                      <a:round/>
+                      <a:headEnd type="none" w="med" len="med"/>
+                      <a:tailEnd type="none" w="med" len="med"/>
+                    </a:lnL>
+                    <a:lnR w="12700" cap="flat" cmpd="sng" algn="ctr">
+                      <a:solidFill>
+                        <a:srgbClr val="FFFFFF"/>
+                      </a:solidFill>
+                      <a:prstDash val="solid"/>
+                      <a:round/>
+                      <a:headEnd type="none" w="med" len="med"/>
+                      <a:tailEnd type="none" w="med" len="med"/>
+                    </a:lnR>
+                    <a:lnT w="12700" cap="flat" cmpd="sng" algn="ctr">
+                      <a:solidFill>
+                        <a:srgbClr val="FFFFFF"/>
+                      </a:solidFill>
+                      <a:prstDash val="solid"/>
+                      <a:round/>
+                      <a:headEnd type="none" w="med" len="med"/>
+                      <a:tailEnd type="none" w="med" len="med"/>
+                    </a:lnT>
+                    <a:lnB w="12700" cap="flat" cmpd="sng" algn="ctr">
+                      <a:solidFill>
+                        <a:srgbClr val="FFFFFF"/>
+                      </a:solidFill>
+                      <a:prstDash val="solid"/>
+                      <a:round/>
+                      <a:headEnd type="none" w="med" len="med"/>
+                      <a:tailEnd type="none" w="med" len="med"/>
+                    </a:lnB>
+                    <a:solidFill>
+                      <a:srgbClr val="FF8063"/>
+                    </a:solidFill>
+                  </a:tcPr>
+                </a:tc>
+                <a:extLst>
+                  <a:ext uri="{0D108BD9-81ED-4DB2-BD59-A6C34878D82A}">
+                    <a16:rowId xmlns:a16="http://schemas.microsoft.com/office/drawing/2014/main" val="2736517219"/>
+                  </a:ext>
+                </a:extLst>
+              </a:tr>
+            </a:tbl>
+          </a:graphicData>
+        </a:graphic>
+      </p:graphicFrame>
     </p:spTree>
     <p:extLst>
       <p:ext uri="{BB962C8B-B14F-4D97-AF65-F5344CB8AC3E}">
-        <p14:creationId xmlns:p14="http://schemas.microsoft.com/office/powerpoint/2010/main" val="1033103208"/>
+        <p14:creationId xmlns:p14="http://schemas.microsoft.com/office/powerpoint/2010/main" val="3358962516"/>
       </p:ext>
     </p:extLst>
   </p:cSld>
@@ -4027,7 +5490,7 @@
       </p:grpSpPr>
       <p:sp>
         <p:nvSpPr>
-          <p:cNvPr id="2" name="Titel 1"/>
+          <p:cNvPr id="2" name="Title 1"/>
           <p:cNvSpPr>
             <a:spLocks noGrp="1"/>
           </p:cNvSpPr>
@@ -4042,14 +5505,14 @@
           <a:p>
             <a:r>
               <a:rPr lang="da-DK" dirty="0"/>
-              <a:t>Typiske risici og svagheder</a:t>
-            </a:r>
-          </a:p>
-        </p:txBody>
-      </p:sp>
-      <p:sp>
-        <p:nvSpPr>
-          <p:cNvPr id="3" name="Pladsholder til indhold 2"/>
+              <a:t>Risici</a:t>
+            </a:r>
+          </a:p>
+        </p:txBody>
+      </p:sp>
+      <p:sp>
+        <p:nvSpPr>
+          <p:cNvPr id="3" name="Content Placeholder 2"/>
           <p:cNvSpPr>
             <a:spLocks noGrp="1"/>
           </p:cNvSpPr>
@@ -4059,72 +5522,24 @@
         </p:nvSpPr>
         <p:spPr/>
         <p:txBody>
-          <a:bodyPr>
-            <a:normAutofit fontScale="77500" lnSpcReduction="20000"/>
-          </a:bodyPr>
-          <a:lstStyle/>
-          <a:p>
-            <a:r>
-              <a:rPr lang="da-DK" dirty="0"/>
-              <a:t>De ansatte er dårligt uddannede i IT-sikkerhed, dvs. de åbner vedhæftninger fra ukendte kilder, falder for phishing-angreb, bruger svage passwords, dårlig forståelse for kryptering. </a:t>
-            </a:r>
-          </a:p>
-          <a:p>
-            <a:r>
-              <a:rPr lang="da-DK" dirty="0"/>
-              <a:t>Forkert eller mangelfuld brug af kryptering. Kæden er kun så stærk som sit svageste led.</a:t>
-            </a:r>
-          </a:p>
-          <a:p>
-            <a:pPr lvl="1"/>
-            <a:r>
-              <a:rPr lang="da-DK" dirty="0"/>
-              <a:t>Bærbare uden krypterede harddiske. </a:t>
-            </a:r>
-          </a:p>
-          <a:p>
-            <a:pPr lvl="1"/>
-            <a:r>
-              <a:rPr lang="da-DK" dirty="0"/>
-              <a:t>Forkert opbevaring af følsomme informationer. </a:t>
-            </a:r>
-          </a:p>
-          <a:p>
-            <a:r>
-              <a:rPr lang="da-DK" dirty="0"/>
-              <a:t>Hjemmearbejdspladser med svag sikkerhed. </a:t>
-            </a:r>
-          </a:p>
-          <a:p>
-            <a:r>
-              <a:rPr lang="da-DK" dirty="0"/>
-              <a:t>Manglende kontrol med passwords eller rigid passwordpolitik der tvinger de ansatte til brug af post-</a:t>
-            </a:r>
-            <a:r>
-              <a:rPr lang="da-DK" dirty="0" err="1"/>
-              <a:t>its</a:t>
-            </a:r>
-            <a:r>
-              <a:rPr lang="da-DK" dirty="0"/>
-              <a:t>. </a:t>
-            </a:r>
-          </a:p>
-          <a:p>
-            <a:r>
-              <a:rPr lang="da-DK" dirty="0"/>
-              <a:t>Manglende kontrol med data i skyen, fx hos Dropbox og Google. </a:t>
-            </a:r>
-          </a:p>
-          <a:p>
-            <a:r>
-              <a:rPr lang="da-DK" dirty="0"/>
-              <a:t>Forkert opsætning af firewalls og andre kritiske systemer til beskyttelse af organisationen. </a:t>
-            </a:r>
-          </a:p>
-          <a:p>
-            <a:r>
-              <a:rPr lang="da-DK" dirty="0"/>
-              <a:t>Gammel software i drift med kendte sikkerhedshuller. </a:t>
+          <a:bodyPr/>
+          <a:lstStyle/>
+          <a:p>
+            <a:r>
+              <a:rPr lang="da-DK" dirty="0"/>
+              <a:t>Hvilke risici kender I?</a:t>
+            </a:r>
+          </a:p>
+          <a:p>
+            <a:r>
+              <a:rPr lang="da-DK" dirty="0"/>
+              <a:t>Hvilke forårsager flest problemer i praksis?</a:t>
+            </a:r>
+          </a:p>
+          <a:p>
+            <a:r>
+              <a:rPr lang="da-DK" dirty="0"/>
+              <a:t>Hvad har I selv oplevet gå galt?</a:t>
             </a:r>
           </a:p>
         </p:txBody>
@@ -4132,7 +5547,7 @@
     </p:spTree>
     <p:extLst>
       <p:ext uri="{BB962C8B-B14F-4D97-AF65-F5344CB8AC3E}">
-        <p14:creationId xmlns:p14="http://schemas.microsoft.com/office/powerpoint/2010/main" val="2281236349"/>
+        <p14:creationId xmlns:p14="http://schemas.microsoft.com/office/powerpoint/2010/main" val="1033103208"/>
       </p:ext>
     </p:extLst>
   </p:cSld>
@@ -4175,52 +5590,90 @@
           <a:lstStyle/>
           <a:p>
             <a:r>
+              <a:rPr lang="da-DK" dirty="0"/>
+              <a:t>Typiske risici og svagheder</a:t>
+            </a:r>
+          </a:p>
+        </p:txBody>
+      </p:sp>
+      <p:sp>
+        <p:nvSpPr>
+          <p:cNvPr id="3" name="Pladsholder til indhold 2"/>
+          <p:cNvSpPr>
+            <a:spLocks noGrp="1"/>
+          </p:cNvSpPr>
+          <p:nvPr>
+            <p:ph idx="1"/>
+          </p:nvPr>
+        </p:nvSpPr>
+        <p:spPr/>
+        <p:txBody>
+          <a:bodyPr>
+            <a:normAutofit fontScale="77500" lnSpcReduction="20000"/>
+          </a:bodyPr>
+          <a:lstStyle/>
+          <a:p>
+            <a:r>
+              <a:rPr lang="da-DK" dirty="0"/>
+              <a:t>De ansatte er dårligt uddannede i IT-sikkerhed, dvs. de åbner vedhæftninger fra ukendte kilder, falder for phishing-angreb, bruger svage passwords, dårlig forståelse for kryptering. </a:t>
+            </a:r>
+          </a:p>
+          <a:p>
+            <a:r>
+              <a:rPr lang="da-DK" dirty="0"/>
+              <a:t>Forkert eller mangelfuld brug af kryptering. Kæden er kun så stærk som sit svageste led.</a:t>
+            </a:r>
+          </a:p>
+          <a:p>
+            <a:pPr lvl="1"/>
+            <a:r>
+              <a:rPr lang="da-DK" dirty="0"/>
+              <a:t>Bærbare uden krypterede harddiske. </a:t>
+            </a:r>
+          </a:p>
+          <a:p>
+            <a:pPr lvl="1"/>
+            <a:r>
+              <a:rPr lang="da-DK" dirty="0"/>
+              <a:t>Forkert opbevaring af følsomme informationer. </a:t>
+            </a:r>
+          </a:p>
+          <a:p>
+            <a:r>
+              <a:rPr lang="da-DK" dirty="0"/>
+              <a:t>Hjemmearbejdspladser med svag sikkerhed. </a:t>
+            </a:r>
+          </a:p>
+          <a:p>
+            <a:r>
+              <a:rPr lang="da-DK" dirty="0"/>
+              <a:t>Manglende kontrol med passwords eller rigid passwordpolitik der tvinger de ansatte til brug af post-</a:t>
+            </a:r>
+            <a:r>
               <a:rPr lang="da-DK" dirty="0" err="1"/>
-              <a:t>Implementation</a:t>
-            </a:r>
-            <a:r>
-              <a:rPr lang="da-DK" dirty="0"/>
-              <a:t> af it-sikkerhed i en organisation</a:t>
-            </a:r>
-          </a:p>
-        </p:txBody>
-      </p:sp>
-      <p:sp>
-        <p:nvSpPr>
-          <p:cNvPr id="3" name="Pladsholder til indhold 2"/>
-          <p:cNvSpPr>
-            <a:spLocks noGrp="1"/>
-          </p:cNvSpPr>
-          <p:nvPr>
-            <p:ph idx="1"/>
-          </p:nvPr>
-        </p:nvSpPr>
-        <p:spPr/>
-        <p:txBody>
-          <a:bodyPr/>
-          <a:lstStyle/>
-          <a:p>
-            <a:r>
-              <a:rPr lang="da-DK" dirty="0"/>
-              <a:t>IT-sikkerhed er en politisk slagmark, hvor der bæres omkostninger, hvis gevinst er usynlig. ”hvorfor skal vi støvsuge? Der er jo ikke beskidt, mor?” </a:t>
-            </a:r>
-          </a:p>
-          <a:p>
-            <a:r>
-              <a:rPr lang="da-DK" dirty="0"/>
-              <a:t>Ledelsen har ikke altid forståelse for hvorfor det kan betale sig at investere i. </a:t>
-            </a:r>
-          </a:p>
-          <a:p>
-            <a:r>
-              <a:rPr lang="da-DK" dirty="0"/>
-              <a:t>En del forbedringer og ændringer er ”usynlige” for brugerne, hvilket kan gøre det nemmere at implementere dem. </a:t>
-            </a:r>
-          </a:p>
-          <a:p>
-            <a:r>
-              <a:rPr lang="da-DK" dirty="0"/>
-              <a:t>Nogle tiltag opleves som besværlige, her kan det være en fordel at inddrage brugerne i udformningen af tiltagene, sådan at der er opbakning til at implementere dem. Undgå at it-folkene bliver fjenden. </a:t>
+              <a:t>its</a:t>
+            </a:r>
+            <a:r>
+              <a:rPr lang="da-DK" dirty="0"/>
+              <a:t>. </a:t>
+            </a:r>
+          </a:p>
+          <a:p>
+            <a:r>
+              <a:rPr lang="da-DK" dirty="0"/>
+              <a:t>Manglende kontrol med data i skyen, fx hos Dropbox og Google. </a:t>
+            </a:r>
+          </a:p>
+          <a:p>
+            <a:r>
+              <a:rPr lang="da-DK" dirty="0"/>
+              <a:t>Forkert opsætning af firewalls og andre kritiske systemer til beskyttelse af organisationen. </a:t>
+            </a:r>
+          </a:p>
+          <a:p>
+            <a:r>
+              <a:rPr lang="da-DK" dirty="0"/>
+              <a:t>Gammel software i drift med kendte sikkerhedshuller. </a:t>
             </a:r>
           </a:p>
         </p:txBody>
@@ -4228,7 +5681,7 @@
     </p:spTree>
     <p:extLst>
       <p:ext uri="{BB962C8B-B14F-4D97-AF65-F5344CB8AC3E}">
-        <p14:creationId xmlns:p14="http://schemas.microsoft.com/office/powerpoint/2010/main" val="2205485193"/>
+        <p14:creationId xmlns:p14="http://schemas.microsoft.com/office/powerpoint/2010/main" val="2281236349"/>
       </p:ext>
     </p:extLst>
   </p:cSld>
@@ -4257,7 +5710,7 @@
       </p:grpSpPr>
       <p:sp>
         <p:nvSpPr>
-          <p:cNvPr id="2" name="Title 1"/>
+          <p:cNvPr id="2" name="Titel 1"/>
           <p:cNvSpPr>
             <a:spLocks noGrp="1"/>
           </p:cNvSpPr>
@@ -4271,28 +5724,19 @@
           <a:lstStyle/>
           <a:p>
             <a:r>
-              <a:rPr lang="da-DK" dirty="0" smtClean="0"/>
-              <a:t>GDPR – General data </a:t>
-            </a:r>
-            <a:r>
-              <a:rPr lang="da-DK" dirty="0" err="1" smtClean="0"/>
-              <a:t>protection</a:t>
-            </a:r>
-            <a:r>
-              <a:rPr lang="da-DK" dirty="0" smtClean="0"/>
-              <a:t> </a:t>
-            </a:r>
-            <a:r>
-              <a:rPr lang="da-DK" dirty="0" err="1" smtClean="0"/>
-              <a:t>regulation</a:t>
-            </a:r>
-            <a:endParaRPr lang="da-DK" dirty="0"/>
-          </a:p>
-        </p:txBody>
-      </p:sp>
-      <p:sp>
-        <p:nvSpPr>
-          <p:cNvPr id="3" name="Content Placeholder 2"/>
+              <a:rPr lang="da-DK" dirty="0" err="1"/>
+              <a:t>Implementation</a:t>
+            </a:r>
+            <a:r>
+              <a:rPr lang="da-DK" dirty="0"/>
+              <a:t> af it-sikkerhed i en organisation</a:t>
+            </a:r>
+          </a:p>
+        </p:txBody>
+      </p:sp>
+      <p:sp>
+        <p:nvSpPr>
+          <p:cNvPr id="3" name="Pladsholder til indhold 2"/>
           <p:cNvSpPr>
             <a:spLocks noGrp="1"/>
           </p:cNvSpPr>
@@ -4302,45 +5746,52 @@
         </p:nvSpPr>
         <p:spPr/>
         <p:txBody>
-          <a:bodyPr/>
-          <a:lstStyle/>
-          <a:p>
-            <a:r>
-              <a:rPr lang="da-DK" dirty="0" smtClean="0"/>
-              <a:t>‘Ny’ lov fra EU om beskyttelse af personfølsomme data</a:t>
-            </a:r>
-          </a:p>
-          <a:p>
-            <a:r>
-              <a:rPr lang="da-DK" dirty="0" smtClean="0"/>
-              <a:t>Har betydning for næsten alle virksomheder, og også nogle privatpersoner</a:t>
-            </a:r>
-          </a:p>
-          <a:p>
-            <a:r>
-              <a:rPr lang="da-DK" dirty="0" smtClean="0"/>
-              <a:t>Spiller sammen med it-sikkerhedspolitikken, fx er der pligt til at registrere hændelser</a:t>
-            </a:r>
-          </a:p>
-          <a:p>
-            <a:r>
-              <a:rPr lang="da-DK" dirty="0" smtClean="0"/>
-              <a:t>Store bøder!</a:t>
-            </a:r>
-          </a:p>
-          <a:p>
-            <a:r>
-              <a:rPr lang="da-DK" dirty="0" smtClean="0"/>
-              <a:t>Kan være svær at overskue – kræver mere dokumentation end den tidligere lovgivning på området</a:t>
-            </a:r>
-            <a:endParaRPr lang="da-DK" dirty="0"/>
+          <a:bodyPr>
+            <a:normAutofit fontScale="85000" lnSpcReduction="10000"/>
+          </a:bodyPr>
+          <a:lstStyle/>
+          <a:p>
+            <a:r>
+              <a:rPr lang="da-DK" dirty="0"/>
+              <a:t>IT-sikkerhed er en politisk slagmark, hvor der bæres omkostninger, hvis gevinst er usynlig. ”hvorfor skal vi støvsuge? Der er jo ikke beskidt, mor?” </a:t>
+            </a:r>
+          </a:p>
+          <a:p>
+            <a:r>
+              <a:rPr lang="da-DK" dirty="0"/>
+              <a:t>Ledelsen har ikke altid forståelse for hvorfor det kan betale sig at investere i. </a:t>
+            </a:r>
+          </a:p>
+          <a:p>
+            <a:r>
+              <a:rPr lang="da-DK" dirty="0"/>
+              <a:t>En del forbedringer og ændringer er ”usynlige” for brugerne, hvilket kan gøre det nemmere at implementere dem. </a:t>
+            </a:r>
+          </a:p>
+          <a:p>
+            <a:r>
+              <a:rPr lang="da-DK" dirty="0"/>
+              <a:t>Nogle tiltag opleves som besværlige, her kan det være en fordel at inddrage brugerne i udformningen af tiltagene, sådan at der er opbakning til at implementere dem. Undgå at it-folkene bliver fjenden. </a:t>
+            </a:r>
+          </a:p>
+          <a:p>
+            <a:r>
+              <a:rPr lang="da-DK" dirty="0"/>
+              <a:t>Monitorering og løbende forbedring er essentielt – teknologier og trusler ændrer sig løbende. </a:t>
+            </a:r>
+          </a:p>
+          <a:p>
+            <a:r>
+              <a:rPr lang="da-DK" dirty="0"/>
+              <a:t>KISS!</a:t>
+            </a:r>
           </a:p>
         </p:txBody>
       </p:sp>
     </p:spTree>
     <p:extLst>
       <p:ext uri="{BB962C8B-B14F-4D97-AF65-F5344CB8AC3E}">
-        <p14:creationId xmlns:p14="http://schemas.microsoft.com/office/powerpoint/2010/main" val="3538729419"/>
+        <p14:creationId xmlns:p14="http://schemas.microsoft.com/office/powerpoint/2010/main" val="2205485193"/>
       </p:ext>
     </p:extLst>
   </p:cSld>
@@ -4369,7 +5820,7 @@
       </p:grpSpPr>
       <p:sp>
         <p:nvSpPr>
-          <p:cNvPr id="2" name="Titel 1"/>
+          <p:cNvPr id="2" name="Title 1"/>
           <p:cNvSpPr>
             <a:spLocks noGrp="1"/>
           </p:cNvSpPr>
@@ -4384,14 +5835,27 @@
           <a:p>
             <a:r>
               <a:rPr lang="da-DK" dirty="0"/>
-              <a:t>Lidt læsning</a:t>
-            </a:r>
-          </a:p>
-        </p:txBody>
-      </p:sp>
-      <p:sp>
-        <p:nvSpPr>
-          <p:cNvPr id="3" name="Pladsholder til indhold 2"/>
+              <a:t>GDPR – General data </a:t>
+            </a:r>
+            <a:r>
+              <a:rPr lang="da-DK" dirty="0" err="1"/>
+              <a:t>protection</a:t>
+            </a:r>
+            <a:r>
+              <a:rPr lang="da-DK" dirty="0"/>
+              <a:t> </a:t>
+            </a:r>
+            <a:r>
+              <a:rPr lang="da-DK" dirty="0" err="1"/>
+              <a:t>regulation</a:t>
+            </a:r>
+            <a:endParaRPr lang="da-DK" dirty="0"/>
+          </a:p>
+        </p:txBody>
+      </p:sp>
+      <p:sp>
+        <p:nvSpPr>
+          <p:cNvPr id="3" name="Content Placeholder 2"/>
           <p:cNvSpPr>
             <a:spLocks noGrp="1"/>
           </p:cNvSpPr>
@@ -4401,87 +5865,44 @@
         </p:nvSpPr>
         <p:spPr/>
         <p:txBody>
-          <a:bodyPr>
-            <a:normAutofit lnSpcReduction="10000"/>
-          </a:bodyPr>
-          <a:lstStyle/>
-          <a:p>
-            <a:r>
-              <a:rPr lang="da-DK" dirty="0"/>
-              <a:t>Benyt evt. ISO 27002/17799 som udgangspunkt, bare i en højniveau-beskrivelse som udgangspunkt, fx denne tekst </a:t>
-            </a:r>
-            <a:r>
-              <a:rPr lang="da-DK" dirty="0">
-                <a:hlinkClick r:id="rId2"/>
-              </a:rPr>
-              <a:t>https://www.sans.org/reading-room/whitepapers/leadership/practical-approaches-organizational-information-security-management-33568</a:t>
-            </a:r>
-            <a:endParaRPr lang="da-DK" dirty="0"/>
-          </a:p>
-          <a:p>
-            <a:r>
-              <a:rPr lang="da-DK" dirty="0">
-                <a:hlinkClick r:id="rId3"/>
-              </a:rPr>
-              <a:t>https://</a:t>
-            </a:r>
-            <a:r>
-              <a:rPr lang="da-DK" dirty="0" smtClean="0">
-                <a:hlinkClick r:id="rId3"/>
-              </a:rPr>
-              <a:t>www.sans.org/reading-room/whitepapers/auditing/overview-threat-risk-assessment-76</a:t>
-            </a:r>
-            <a:endParaRPr lang="da-DK" dirty="0" smtClean="0"/>
-          </a:p>
-          <a:p>
-            <a:r>
-              <a:rPr lang="da-DK" sz="2100" dirty="0"/>
-              <a:t>Værktøj til </a:t>
-            </a:r>
-            <a:r>
-              <a:rPr lang="da-DK" sz="2100" dirty="0" smtClean="0"/>
-              <a:t>GDPR-</a:t>
-            </a:r>
-            <a:r>
-              <a:rPr lang="da-DK" sz="2100" dirty="0" err="1" smtClean="0"/>
-              <a:t>compliance</a:t>
-            </a:r>
-            <a:r>
-              <a:rPr lang="da-DK" sz="2100" dirty="0" smtClean="0"/>
-              <a:t>:</a:t>
-            </a:r>
-          </a:p>
-          <a:p>
-            <a:pPr lvl="1"/>
-            <a:r>
-              <a:rPr lang="da-DK" dirty="0" smtClean="0">
-                <a:hlinkClick r:id="rId4"/>
-              </a:rPr>
-              <a:t>https</a:t>
-            </a:r>
-            <a:r>
-              <a:rPr lang="da-DK" dirty="0">
-                <a:hlinkClick r:id="rId4"/>
-              </a:rPr>
-              <a:t>://www.linkedin.com/pulse/nyt-gratis-v%C3%A6rkt%C3%B8j-kan-lette-arbejdet-med-henning-mortensen</a:t>
-            </a:r>
-            <a:r>
-              <a:rPr lang="da-DK" dirty="0" smtClean="0">
-                <a:hlinkClick r:id="rId4"/>
-              </a:rPr>
-              <a:t>/</a:t>
-            </a:r>
-            <a:endParaRPr lang="da-DK" dirty="0" smtClean="0"/>
-          </a:p>
-          <a:p>
-            <a:endParaRPr lang="da-DK" dirty="0"/>
+          <a:bodyPr/>
+          <a:lstStyle/>
+          <a:p>
+            <a:r>
+              <a:rPr lang="da-DK" dirty="0"/>
+              <a:t>‘Ny’ lov fra EU om beskyttelse af personfølsomme data</a:t>
+            </a:r>
+          </a:p>
+          <a:p>
+            <a:r>
+              <a:rPr lang="da-DK" dirty="0"/>
+              <a:t>Har betydning for næsten alle virksomheder, og også nogle privatpersoner</a:t>
+            </a:r>
+          </a:p>
+          <a:p>
+            <a:r>
+              <a:rPr lang="da-DK" dirty="0"/>
+              <a:t>Spiller sammen med it-sikkerhedspolitikken, fx er der pligt til at registrere hændelser</a:t>
+            </a:r>
+          </a:p>
+          <a:p>
+            <a:r>
+              <a:rPr lang="da-DK" dirty="0"/>
+              <a:t>Store bøder!</a:t>
+            </a:r>
+          </a:p>
+          <a:p>
+            <a:r>
+              <a:rPr lang="da-DK" dirty="0"/>
+              <a:t>Kan være svær at overskue – kræver mere dokumentation end den tidligere lovgivning på området</a:t>
+            </a:r>
           </a:p>
         </p:txBody>
       </p:sp>
     </p:spTree>
     <p:extLst>
       <p:ext uri="{BB962C8B-B14F-4D97-AF65-F5344CB8AC3E}">
-        <p14:creationId xmlns:p14="http://schemas.microsoft.com/office/powerpoint/2010/main" val="4083581241"/>
+        <p14:creationId xmlns:p14="http://schemas.microsoft.com/office/powerpoint/2010/main" val="3538729419"/>
       </p:ext>
     </p:extLst>
   </p:cSld>
@@ -4524,6 +5945,131 @@
           <a:lstStyle/>
           <a:p>
             <a:r>
+              <a:rPr lang="da-DK" dirty="0"/>
+              <a:t>Lidt læsning</a:t>
+            </a:r>
+          </a:p>
+        </p:txBody>
+      </p:sp>
+      <p:sp>
+        <p:nvSpPr>
+          <p:cNvPr id="3" name="Pladsholder til indhold 2"/>
+          <p:cNvSpPr>
+            <a:spLocks noGrp="1"/>
+          </p:cNvSpPr>
+          <p:nvPr>
+            <p:ph idx="1"/>
+          </p:nvPr>
+        </p:nvSpPr>
+        <p:spPr/>
+        <p:txBody>
+          <a:bodyPr>
+            <a:normAutofit fontScale="92500" lnSpcReduction="20000"/>
+          </a:bodyPr>
+          <a:lstStyle/>
+          <a:p>
+            <a:r>
+              <a:rPr lang="da-DK" dirty="0"/>
+              <a:t>Benyt evt. ISO 27002/17799 som udgangspunkt, bare i en højniveau-beskrivelse som udgangspunkt, fx denne tekst </a:t>
+            </a:r>
+            <a:r>
+              <a:rPr lang="da-DK" dirty="0">
+                <a:hlinkClick r:id="rId2"/>
+              </a:rPr>
+              <a:t>https://www.sans.org/reading-room/whitepapers/leadership/practical-approaches-organizational-information-security-management-33568</a:t>
+            </a:r>
+            <a:endParaRPr lang="da-DK" dirty="0"/>
+          </a:p>
+          <a:p>
+            <a:r>
+              <a:rPr lang="da-DK" dirty="0">
+                <a:hlinkClick r:id="rId3"/>
+              </a:rPr>
+              <a:t>https://www.sans.org/reading-room/whitepapers/auditing/overview-threat-risk-assessment-76</a:t>
+            </a:r>
+            <a:endParaRPr lang="da-DK" dirty="0"/>
+          </a:p>
+          <a:p>
+            <a:r>
+              <a:rPr lang="da-DK" dirty="0"/>
+              <a:t>Bogens premium content (ComputerSecurityPolicy.pdf), se s. 464 i CSPaP. Nok for detaljeret til de fleste formål. </a:t>
+            </a:r>
+          </a:p>
+          <a:p>
+            <a:r>
+              <a:rPr lang="da-DK" sz="2100" dirty="0"/>
+              <a:t>Værktøj til GDPR-</a:t>
+            </a:r>
+            <a:r>
+              <a:rPr lang="da-DK" sz="2100" dirty="0" err="1"/>
+              <a:t>compliance</a:t>
+            </a:r>
+            <a:r>
+              <a:rPr lang="da-DK" sz="2100" dirty="0"/>
+              <a:t>:</a:t>
+            </a:r>
+          </a:p>
+          <a:p>
+            <a:pPr lvl="1"/>
+            <a:r>
+              <a:rPr lang="da-DK" dirty="0">
+                <a:hlinkClick r:id="rId4"/>
+              </a:rPr>
+              <a:t>https://www.linkedin.com/pulse/nyt-gratis-v%C3%A6rkt%C3%B8j-kan-lette-arbejdet-med-henning-mortensen/</a:t>
+            </a:r>
+            <a:endParaRPr lang="da-DK" dirty="0"/>
+          </a:p>
+          <a:p>
+            <a:endParaRPr lang="da-DK" dirty="0"/>
+          </a:p>
+        </p:txBody>
+      </p:sp>
+    </p:spTree>
+    <p:extLst>
+      <p:ext uri="{BB962C8B-B14F-4D97-AF65-F5344CB8AC3E}">
+        <p14:creationId xmlns:p14="http://schemas.microsoft.com/office/powerpoint/2010/main" val="4083581241"/>
+      </p:ext>
+    </p:extLst>
+  </p:cSld>
+  <p:clrMapOvr>
+    <a:masterClrMapping/>
+  </p:clrMapOvr>
+</p:sld>
+</file>
+
+<file path=ppt/slides/slide18.xml><?xml version="1.0" encoding="utf-8"?>
+<p:sld xmlns:a="http://schemas.openxmlformats.org/drawingml/2006/main" xmlns:r="http://schemas.openxmlformats.org/officeDocument/2006/relationships" xmlns:p="http://schemas.openxmlformats.org/presentationml/2006/main">
+  <p:cSld>
+    <p:spTree>
+      <p:nvGrpSpPr>
+        <p:cNvPr id="1" name=""/>
+        <p:cNvGrpSpPr/>
+        <p:nvPr/>
+      </p:nvGrpSpPr>
+      <p:grpSpPr>
+        <a:xfrm>
+          <a:off x="0" y="0"/>
+          <a:ext cx="0" cy="0"/>
+          <a:chOff x="0" y="0"/>
+          <a:chExt cx="0" cy="0"/>
+        </a:xfrm>
+      </p:grpSpPr>
+      <p:sp>
+        <p:nvSpPr>
+          <p:cNvPr id="2" name="Titel 1"/>
+          <p:cNvSpPr>
+            <a:spLocks noGrp="1"/>
+          </p:cNvSpPr>
+          <p:nvPr>
+            <p:ph type="title"/>
+          </p:nvPr>
+        </p:nvSpPr>
+        <p:spPr/>
+        <p:txBody>
+          <a:bodyPr/>
+          <a:lstStyle/>
+          <a:p>
+            <a:r>
               <a:rPr lang="da-DK"/>
               <a:t>Diskussion</a:t>
             </a:r>
@@ -4578,7 +6124,7 @@
 </p:sld>
 </file>
 
-<file path=ppt/slides/slide18.xml><?xml version="1.0" encoding="utf-8"?>
+<file path=ppt/slides/slide19.xml><?xml version="1.0" encoding="utf-8"?>
 <p:sld xmlns:a="http://schemas.openxmlformats.org/drawingml/2006/main" xmlns:r="http://schemas.openxmlformats.org/officeDocument/2006/relationships" xmlns:p="http://schemas.openxmlformats.org/presentationml/2006/main">
   <p:cSld>
     <p:spTree>
@@ -4720,11 +6266,7 @@
           <a:p>
             <a:r>
               <a:rPr lang="da-DK" dirty="0"/>
-              <a:t>ISO/IEC 27002 (17799</a:t>
-            </a:r>
-            <a:r>
-              <a:rPr lang="da-DK" dirty="0" smtClean="0"/>
-              <a:t>)</a:t>
+              <a:t>ISO/IEC 27002 (17799)</a:t>
             </a:r>
           </a:p>
           <a:p>
@@ -4732,7 +6274,6 @@
               <a:rPr lang="da-DK" dirty="0"/>
               <a:t>GDPR</a:t>
             </a:r>
-            <a:endParaRPr lang="da-DK" dirty="0"/>
           </a:p>
           <a:p>
             <a:endParaRPr lang="da-DK" dirty="0"/>
@@ -4785,10 +6326,9 @@
           <a:lstStyle/>
           <a:p>
             <a:r>
-              <a:rPr lang="da-DK" dirty="0" smtClean="0"/>
+              <a:rPr lang="da-DK" dirty="0"/>
               <a:t>Første afstemning</a:t>
             </a:r>
-            <a:endParaRPr lang="da-DK" dirty="0"/>
           </a:p>
         </p:txBody>
       </p:sp>
@@ -4808,39 +6348,38 @@
           <a:lstStyle/>
           <a:p>
             <a:r>
-              <a:rPr lang="da-DK" dirty="0" smtClean="0"/>
+              <a:rPr lang="da-DK" dirty="0"/>
               <a:t>Hvad er GDPR?</a:t>
             </a:r>
           </a:p>
           <a:p>
             <a:pPr lvl="1"/>
             <a:r>
-              <a:rPr lang="da-DK" dirty="0" smtClean="0"/>
+              <a:rPr lang="da-DK" dirty="0"/>
               <a:t>A) En forordning om at virksomheder skal have styr på </a:t>
             </a:r>
             <a:r>
-              <a:rPr lang="da-DK" dirty="0" err="1" smtClean="0"/>
+              <a:rPr lang="da-DK" dirty="0" err="1"/>
               <a:t>fødevarehygiene</a:t>
             </a:r>
             <a:r>
-              <a:rPr lang="da-DK" dirty="0" smtClean="0"/>
+              <a:rPr lang="da-DK" dirty="0"/>
               <a:t>?</a:t>
             </a:r>
           </a:p>
           <a:p>
             <a:pPr lvl="1"/>
             <a:r>
-              <a:rPr lang="da-DK" dirty="0" smtClean="0"/>
+              <a:rPr lang="da-DK" dirty="0"/>
               <a:t>B) Nyt reglement om lovpligtig forsikring mod virus?</a:t>
             </a:r>
           </a:p>
           <a:p>
             <a:pPr lvl="1"/>
             <a:r>
-              <a:rPr lang="da-DK" dirty="0" smtClean="0"/>
+              <a:rPr lang="da-DK" dirty="0"/>
               <a:t>C) En forordning om behandling af persondata?</a:t>
             </a:r>
-            <a:endParaRPr lang="da-DK" dirty="0"/>
           </a:p>
         </p:txBody>
       </p:sp>
@@ -5002,13 +6541,8 @@
           <a:p>
             <a:r>
               <a:rPr lang="da-DK" dirty="0"/>
-              <a:t>Hvorfor? Så man har en struktureret tilgang til problemet og forhåbentlig kommer omkring de vigtigste område. </a:t>
-            </a:r>
-            <a:r>
-              <a:rPr lang="da-DK" dirty="0" smtClean="0"/>
-              <a:t>Delvist lovkrav med GDPR hvis man behandler persondata.</a:t>
-            </a:r>
-            <a:endParaRPr lang="da-DK" dirty="0"/>
+              <a:t>Hvorfor? Så man har en struktureret tilgang til problemet og forhåbentlig kommer omkring de vigtigste område. Delvist lovkrav med GDPR hvis man behandler persondata.</a:t>
+            </a:r>
           </a:p>
           <a:p>
             <a:r>
@@ -5028,14 +6562,12 @@
               <a:rPr lang="da-DK" dirty="0"/>
               <a:t>Sikkerhedspolitik, organisering af informationssikkerhed, asset management, HR-sikkerhed, fysisk og miljøsikkerhed, kommunikations og operations-management, adgangskontrol, indkøb af IT-systemer, vedligeholdelse, hændelseshåndtering, forretningskontinuitets management og compliance. </a:t>
             </a:r>
-            <a:endParaRPr lang="da-DK" dirty="0" smtClean="0"/>
-          </a:p>
-          <a:p>
-            <a:r>
-              <a:rPr lang="da-DK" dirty="0" smtClean="0"/>
+          </a:p>
+          <a:p>
+            <a:r>
+              <a:rPr lang="da-DK" dirty="0"/>
               <a:t>Værd at overveje samspil mellem GDPR og IT-sikkerhedsstrategi.</a:t>
             </a:r>
-            <a:endParaRPr lang="da-DK" dirty="0"/>
           </a:p>
         </p:txBody>
       </p:sp>
@@ -5125,40 +6657,36 @@
               <a:t>Hvilke overordnede brugsscenarier findes (arbejdes der hjemmefra, bruges der cloud-services </a:t>
             </a:r>
             <a:r>
-              <a:rPr lang="da-DK" dirty="0" err="1" smtClean="0"/>
+              <a:rPr lang="da-DK" dirty="0" err="1"/>
               <a:t>osv</a:t>
             </a:r>
             <a:r>
-              <a:rPr lang="da-DK" dirty="0" smtClean="0"/>
+              <a:rPr lang="da-DK" dirty="0"/>
               <a:t>, BYOD – bring </a:t>
             </a:r>
             <a:r>
-              <a:rPr lang="da-DK" dirty="0" err="1" smtClean="0"/>
+              <a:rPr lang="da-DK" dirty="0" err="1"/>
               <a:t>your</a:t>
             </a:r>
             <a:r>
-              <a:rPr lang="da-DK" dirty="0" smtClean="0"/>
+              <a:rPr lang="da-DK" dirty="0"/>
               <a:t> </a:t>
             </a:r>
             <a:r>
-              <a:rPr lang="da-DK" dirty="0" err="1" smtClean="0"/>
+              <a:rPr lang="da-DK" dirty="0" err="1"/>
               <a:t>own</a:t>
             </a:r>
             <a:r>
-              <a:rPr lang="da-DK" dirty="0" smtClean="0"/>
+              <a:rPr lang="da-DK" dirty="0"/>
               <a:t> </a:t>
             </a:r>
             <a:r>
-              <a:rPr lang="da-DK" dirty="0" err="1" smtClean="0"/>
+              <a:rPr lang="da-DK" dirty="0" err="1"/>
               <a:t>device</a:t>
             </a:r>
             <a:r>
-              <a:rPr lang="da-DK" dirty="0" smtClean="0"/>
-              <a:t>) </a:t>
-            </a:r>
-            <a:r>
-              <a:rPr lang="da-DK" dirty="0"/>
-              <a:t>?</a:t>
+              <a:rPr lang="da-DK" dirty="0"/>
+              <a:t>) ?</a:t>
             </a:r>
           </a:p>
           <a:p>
@@ -5216,10 +6744,9 @@
           <a:lstStyle/>
           <a:p>
             <a:r>
-              <a:rPr lang="da-DK" dirty="0" smtClean="0"/>
+              <a:rPr lang="da-DK" dirty="0"/>
               <a:t>Anden afstemning</a:t>
             </a:r>
-            <a:endParaRPr lang="da-DK" dirty="0"/>
           </a:p>
         </p:txBody>
       </p:sp>
@@ -5239,16 +6766,15 @@
           <a:lstStyle/>
           <a:p>
             <a:r>
-              <a:rPr lang="da-DK" dirty="0" smtClean="0"/>
+              <a:rPr lang="da-DK" dirty="0"/>
               <a:t>Har din arbejdsplads en IT-sikkerhedsstrategi? </a:t>
             </a:r>
           </a:p>
           <a:p>
             <a:r>
-              <a:rPr lang="da-DK" dirty="0" smtClean="0"/>
+              <a:rPr lang="da-DK" dirty="0"/>
               <a:t>Ja/Nej/Delvist/Ved ikke</a:t>
             </a:r>
-            <a:endParaRPr lang="da-DK" dirty="0"/>
           </a:p>
         </p:txBody>
       </p:sp>
@@ -5340,14 +6866,17 @@
           <a:p>
             <a:r>
               <a:rPr lang="da-DK" dirty="0"/>
-              <a:t>Adressér de identificerede risici. At adressere kan også godt være en beslutning om at man tager chancen. </a:t>
-            </a:r>
-          </a:p>
-          <a:p>
-            <a:r>
-              <a:rPr lang="da-DK" dirty="0"/>
-              <a:t>Man kan se på risiko x skade og på den måde prioritere hvilke risici og trusler man vil gøre noget aktivt ved. </a:t>
-            </a:r>
+              <a:t>Adressér de identificerede risici.  At adressere kan også godt være en beslutning om at man tager chancen. </a:t>
+            </a:r>
+          </a:p>
+          <a:p>
+            <a:r>
+              <a:rPr lang="da-DK" dirty="0"/>
+              <a:t>Man kan se på sandsynlighed x skadevirkning og på den måde prioritere hvilke risici og trusler man vil gøre noget aktivt ved. </a:t>
+            </a:r>
+          </a:p>
+          <a:p>
+            <a:endParaRPr lang="da-DK" dirty="0"/>
           </a:p>
         </p:txBody>
       </p:sp>
